--- a/Team SigmaJVG.pptx
+++ b/Team SigmaJVG.pptx
@@ -11,10 +11,13 @@
     <p:sldId id="261" r:id="rId5"/>
     <p:sldId id="262" r:id="rId6"/>
     <p:sldId id="266" r:id="rId7"/>
-    <p:sldId id="264" r:id="rId8"/>
-    <p:sldId id="265" r:id="rId9"/>
-    <p:sldId id="259" r:id="rId10"/>
-    <p:sldId id="257" r:id="rId11"/>
+    <p:sldId id="267" r:id="rId8"/>
+    <p:sldId id="268" r:id="rId9"/>
+    <p:sldId id="269" r:id="rId10"/>
+    <p:sldId id="264" r:id="rId11"/>
+    <p:sldId id="265" r:id="rId12"/>
+    <p:sldId id="259" r:id="rId13"/>
+    <p:sldId id="257" r:id="rId14"/>
   </p:sldIdLst>
   <p:sldSz cx="12192000" cy="6858000"/>
   <p:notesSz cx="6858000" cy="9144000"/>
@@ -124,9 +127,363 @@
 <file path=ppt/revisionInfo.xml><?xml version="1.0" encoding="utf-8"?>
 <p1510:revInfo xmlns:a="http://schemas.openxmlformats.org/drawingml/2006/main" xmlns:r="http://schemas.openxmlformats.org/officeDocument/2006/relationships" xmlns:p1510="http://schemas.microsoft.com/office/powerpoint/2015/10/main">
   <p1510:revLst>
-    <p1510:client id="{A2A0E723-BA6A-4C8D-A93B-2AFAD3ACB902}" v="4" dt="2020-10-31T17:39:07.948"/>
+    <p1510:client id="{F404B4B5-1159-4665-8CA7-142E8F867CA9}" v="48" dt="2020-10-31T18:13:53.085"/>
   </p1510:revLst>
 </p1510:revInfo>
+</file>
+
+<file path=ppt/changesInfos/changesInfo1.xml><?xml version="1.0" encoding="utf-8"?>
+<pc:chgInfo xmlns:a="http://schemas.openxmlformats.org/drawingml/2006/main" xmlns:r="http://schemas.openxmlformats.org/officeDocument/2006/relationships" xmlns:ac="http://schemas.microsoft.com/office/drawing/2013/main/command" xmlns:pc="http://schemas.microsoft.com/office/powerpoint/2013/main/command">
+  <pc:docChgLst>
+    <pc:chgData name="Villarreal Jorge Hector" userId="834edb76-31d5-469c-83b3-357aaa1b68bb" providerId="ADAL" clId="{A2A0E723-BA6A-4C8D-A93B-2AFAD3ACB902}"/>
+    <pc:docChg chg="custSel addSld modSld">
+      <pc:chgData name="Villarreal Jorge Hector" userId="834edb76-31d5-469c-83b3-357aaa1b68bb" providerId="ADAL" clId="{A2A0E723-BA6A-4C8D-A93B-2AFAD3ACB902}" dt="2020-10-31T18:15:53.422" v="714" actId="20577"/>
+      <pc:docMkLst>
+        <pc:docMk/>
+      </pc:docMkLst>
+      <pc:sldChg chg="addSp delSp modSp">
+        <pc:chgData name="Villarreal Jorge Hector" userId="834edb76-31d5-469c-83b3-357aaa1b68bb" providerId="ADAL" clId="{A2A0E723-BA6A-4C8D-A93B-2AFAD3ACB902}" dt="2020-10-31T18:10:16.573" v="684"/>
+        <pc:sldMkLst>
+          <pc:docMk/>
+          <pc:sldMk cId="2681126010" sldId="266"/>
+        </pc:sldMkLst>
+        <pc:spChg chg="mod">
+          <ac:chgData name="Villarreal Jorge Hector" userId="834edb76-31d5-469c-83b3-357aaa1b68bb" providerId="ADAL" clId="{A2A0E723-BA6A-4C8D-A93B-2AFAD3ACB902}" dt="2020-10-31T17:50:28.266" v="253" actId="1076"/>
+          <ac:spMkLst>
+            <pc:docMk/>
+            <pc:sldMk cId="2681126010" sldId="266"/>
+            <ac:spMk id="6" creationId="{5FE58308-5EDC-4563-AD6F-37B824D6BA96}"/>
+          </ac:spMkLst>
+        </pc:spChg>
+        <pc:spChg chg="add del mod">
+          <ac:chgData name="Villarreal Jorge Hector" userId="834edb76-31d5-469c-83b3-357aaa1b68bb" providerId="ADAL" clId="{A2A0E723-BA6A-4C8D-A93B-2AFAD3ACB902}" dt="2020-10-31T17:43:55.973" v="1" actId="931"/>
+          <ac:spMkLst>
+            <pc:docMk/>
+            <pc:sldMk cId="2681126010" sldId="266"/>
+            <ac:spMk id="8" creationId="{EF546393-5175-49B9-9656-4A83B20212C1}"/>
+          </ac:spMkLst>
+        </pc:spChg>
+        <pc:spChg chg="add mod">
+          <ac:chgData name="Villarreal Jorge Hector" userId="834edb76-31d5-469c-83b3-357aaa1b68bb" providerId="ADAL" clId="{A2A0E723-BA6A-4C8D-A93B-2AFAD3ACB902}" dt="2020-10-31T17:52:26.737" v="271" actId="207"/>
+          <ac:spMkLst>
+            <pc:docMk/>
+            <pc:sldMk cId="2681126010" sldId="266"/>
+            <ac:spMk id="13" creationId="{9E86E361-7052-4E92-AF7D-935F11553727}"/>
+          </ac:spMkLst>
+        </pc:spChg>
+        <pc:spChg chg="add del mod">
+          <ac:chgData name="Villarreal Jorge Hector" userId="834edb76-31d5-469c-83b3-357aaa1b68bb" providerId="ADAL" clId="{A2A0E723-BA6A-4C8D-A93B-2AFAD3ACB902}" dt="2020-10-31T17:47:04.241" v="59"/>
+          <ac:spMkLst>
+            <pc:docMk/>
+            <pc:sldMk cId="2681126010" sldId="266"/>
+            <ac:spMk id="14" creationId="{F9C39C5D-A4AA-44C9-BAB7-30A196DF30D1}"/>
+          </ac:spMkLst>
+        </pc:spChg>
+        <pc:spChg chg="add mod">
+          <ac:chgData name="Villarreal Jorge Hector" userId="834edb76-31d5-469c-83b3-357aaa1b68bb" providerId="ADAL" clId="{A2A0E723-BA6A-4C8D-A93B-2AFAD3ACB902}" dt="2020-10-31T17:47:03.735" v="57" actId="1076"/>
+          <ac:spMkLst>
+            <pc:docMk/>
+            <pc:sldMk cId="2681126010" sldId="266"/>
+            <ac:spMk id="15" creationId="{C70918D3-92B6-4228-911F-05EF3235E577}"/>
+          </ac:spMkLst>
+        </pc:spChg>
+        <pc:spChg chg="add mod">
+          <ac:chgData name="Villarreal Jorge Hector" userId="834edb76-31d5-469c-83b3-357aaa1b68bb" providerId="ADAL" clId="{A2A0E723-BA6A-4C8D-A93B-2AFAD3ACB902}" dt="2020-10-31T17:50:37.714" v="256" actId="1076"/>
+          <ac:spMkLst>
+            <pc:docMk/>
+            <pc:sldMk cId="2681126010" sldId="266"/>
+            <ac:spMk id="16" creationId="{EECA5C02-554D-4A7F-8775-0EF47ABB0268}"/>
+          </ac:spMkLst>
+        </pc:spChg>
+        <pc:spChg chg="add mod">
+          <ac:chgData name="Villarreal Jorge Hector" userId="834edb76-31d5-469c-83b3-357aaa1b68bb" providerId="ADAL" clId="{A2A0E723-BA6A-4C8D-A93B-2AFAD3ACB902}" dt="2020-10-31T17:51:08.742" v="260" actId="14100"/>
+          <ac:spMkLst>
+            <pc:docMk/>
+            <pc:sldMk cId="2681126010" sldId="266"/>
+            <ac:spMk id="17" creationId="{006820D8-08E0-462C-AD75-49921B93F797}"/>
+          </ac:spMkLst>
+        </pc:spChg>
+        <pc:spChg chg="add">
+          <ac:chgData name="Villarreal Jorge Hector" userId="834edb76-31d5-469c-83b3-357aaa1b68bb" providerId="ADAL" clId="{A2A0E723-BA6A-4C8D-A93B-2AFAD3ACB902}" dt="2020-10-31T18:10:16.573" v="684"/>
+          <ac:spMkLst>
+            <pc:docMk/>
+            <pc:sldMk cId="2681126010" sldId="266"/>
+            <ac:spMk id="25" creationId="{40BA7C2A-4BBB-459C-A0E6-FB37CA712348}"/>
+          </ac:spMkLst>
+        </pc:spChg>
+        <pc:picChg chg="del">
+          <ac:chgData name="Villarreal Jorge Hector" userId="834edb76-31d5-469c-83b3-357aaa1b68bb" providerId="ADAL" clId="{A2A0E723-BA6A-4C8D-A93B-2AFAD3ACB902}" dt="2020-10-31T17:43:43.837" v="0" actId="478"/>
+          <ac:picMkLst>
+            <pc:docMk/>
+            <pc:sldMk cId="2681126010" sldId="266"/>
+            <ac:picMk id="5" creationId="{DB69DFC7-E549-4CD2-8CD2-C579CE5A1448}"/>
+          </ac:picMkLst>
+        </pc:picChg>
+        <pc:picChg chg="add mod modCrop">
+          <ac:chgData name="Villarreal Jorge Hector" userId="834edb76-31d5-469c-83b3-357aaa1b68bb" providerId="ADAL" clId="{A2A0E723-BA6A-4C8D-A93B-2AFAD3ACB902}" dt="2020-10-31T17:44:25.607" v="10" actId="14100"/>
+          <ac:picMkLst>
+            <pc:docMk/>
+            <pc:sldMk cId="2681126010" sldId="266"/>
+            <ac:picMk id="10" creationId="{37CB10CA-2893-4953-8C42-63733DA19E32}"/>
+          </ac:picMkLst>
+        </pc:picChg>
+        <pc:picChg chg="add mod modCrop">
+          <ac:chgData name="Villarreal Jorge Hector" userId="834edb76-31d5-469c-83b3-357aaa1b68bb" providerId="ADAL" clId="{A2A0E723-BA6A-4C8D-A93B-2AFAD3ACB902}" dt="2020-10-31T17:51:52.960" v="269" actId="1582"/>
+          <ac:picMkLst>
+            <pc:docMk/>
+            <pc:sldMk cId="2681126010" sldId="266"/>
+            <ac:picMk id="12" creationId="{D1F56FA4-2C3B-4459-B7D5-39E1F5CE4541}"/>
+          </ac:picMkLst>
+        </pc:picChg>
+        <pc:cxnChg chg="add mod">
+          <ac:chgData name="Villarreal Jorge Hector" userId="834edb76-31d5-469c-83b3-357aaa1b68bb" providerId="ADAL" clId="{A2A0E723-BA6A-4C8D-A93B-2AFAD3ACB902}" dt="2020-10-31T17:51:40.598" v="266" actId="1582"/>
+          <ac:cxnSpMkLst>
+            <pc:docMk/>
+            <pc:sldMk cId="2681126010" sldId="266"/>
+            <ac:cxnSpMk id="19" creationId="{D074258A-14C3-44FB-BC23-B12BBEE9AFBE}"/>
+          </ac:cxnSpMkLst>
+        </pc:cxnChg>
+        <pc:cxnChg chg="add mod">
+          <ac:chgData name="Villarreal Jorge Hector" userId="834edb76-31d5-469c-83b3-357aaa1b68bb" providerId="ADAL" clId="{A2A0E723-BA6A-4C8D-A93B-2AFAD3ACB902}" dt="2020-10-31T17:51:45.758" v="267" actId="14100"/>
+          <ac:cxnSpMkLst>
+            <pc:docMk/>
+            <pc:sldMk cId="2681126010" sldId="266"/>
+            <ac:cxnSpMk id="21" creationId="{12A8ADEE-E63E-4F46-80F5-2B1944E6D46C}"/>
+          </ac:cxnSpMkLst>
+        </pc:cxnChg>
+      </pc:sldChg>
+      <pc:sldChg chg="addSp delSp modSp add">
+        <pc:chgData name="Villarreal Jorge Hector" userId="834edb76-31d5-469c-83b3-357aaa1b68bb" providerId="ADAL" clId="{A2A0E723-BA6A-4C8D-A93B-2AFAD3ACB902}" dt="2020-10-31T18:10:18.029" v="685"/>
+        <pc:sldMkLst>
+          <pc:docMk/>
+          <pc:sldMk cId="82224199" sldId="267"/>
+        </pc:sldMkLst>
+        <pc:spChg chg="mod">
+          <ac:chgData name="Villarreal Jorge Hector" userId="834edb76-31d5-469c-83b3-357aaa1b68bb" providerId="ADAL" clId="{A2A0E723-BA6A-4C8D-A93B-2AFAD3ACB902}" dt="2020-10-31T17:53:35.512" v="274" actId="108"/>
+          <ac:spMkLst>
+            <pc:docMk/>
+            <pc:sldMk cId="82224199" sldId="267"/>
+            <ac:spMk id="2" creationId="{70442C7E-1978-43A0-86A2-6056E49161C9}"/>
+          </ac:spMkLst>
+        </pc:spChg>
+        <pc:spChg chg="del mod">
+          <ac:chgData name="Villarreal Jorge Hector" userId="834edb76-31d5-469c-83b3-357aaa1b68bb" providerId="ADAL" clId="{A2A0E723-BA6A-4C8D-A93B-2AFAD3ACB902}" dt="2020-10-31T17:53:41.059" v="278" actId="478"/>
+          <ac:spMkLst>
+            <pc:docMk/>
+            <pc:sldMk cId="82224199" sldId="267"/>
+            <ac:spMk id="3" creationId="{F4456A40-686F-4D0B-97FF-D7571D8992DF}"/>
+          </ac:spMkLst>
+        </pc:spChg>
+        <pc:spChg chg="add mod">
+          <ac:chgData name="Villarreal Jorge Hector" userId="834edb76-31d5-469c-83b3-357aaa1b68bb" providerId="ADAL" clId="{A2A0E723-BA6A-4C8D-A93B-2AFAD3ACB902}" dt="2020-10-31T17:55:31.818" v="327" actId="20577"/>
+          <ac:spMkLst>
+            <pc:docMk/>
+            <pc:sldMk cId="82224199" sldId="267"/>
+            <ac:spMk id="10" creationId="{7A9B7849-1D31-4126-95D4-02BAEE855EFB}"/>
+          </ac:spMkLst>
+        </pc:spChg>
+        <pc:spChg chg="add">
+          <ac:chgData name="Villarreal Jorge Hector" userId="834edb76-31d5-469c-83b3-357aaa1b68bb" providerId="ADAL" clId="{A2A0E723-BA6A-4C8D-A93B-2AFAD3ACB902}" dt="2020-10-31T18:10:18.029" v="685"/>
+          <ac:spMkLst>
+            <pc:docMk/>
+            <pc:sldMk cId="82224199" sldId="267"/>
+            <ac:spMk id="11" creationId="{F63007AC-A28B-437E-8A1A-98F6039B0969}"/>
+          </ac:spMkLst>
+        </pc:spChg>
+        <pc:picChg chg="add mod">
+          <ac:chgData name="Villarreal Jorge Hector" userId="834edb76-31d5-469c-83b3-357aaa1b68bb" providerId="ADAL" clId="{A2A0E723-BA6A-4C8D-A93B-2AFAD3ACB902}" dt="2020-10-31T17:55:11.530" v="314" actId="1076"/>
+          <ac:picMkLst>
+            <pc:docMk/>
+            <pc:sldMk cId="82224199" sldId="267"/>
+            <ac:picMk id="5" creationId="{74D4CCB8-CF26-41AE-B220-98A06344098F}"/>
+          </ac:picMkLst>
+        </pc:picChg>
+        <pc:picChg chg="add mod">
+          <ac:chgData name="Villarreal Jorge Hector" userId="834edb76-31d5-469c-83b3-357aaa1b68bb" providerId="ADAL" clId="{A2A0E723-BA6A-4C8D-A93B-2AFAD3ACB902}" dt="2020-10-31T17:55:07.450" v="312" actId="1076"/>
+          <ac:picMkLst>
+            <pc:docMk/>
+            <pc:sldMk cId="82224199" sldId="267"/>
+            <ac:picMk id="7" creationId="{452E6022-8DC4-48F2-803D-0116A13AEC90}"/>
+          </ac:picMkLst>
+        </pc:picChg>
+        <pc:picChg chg="add mod">
+          <ac:chgData name="Villarreal Jorge Hector" userId="834edb76-31d5-469c-83b3-357aaa1b68bb" providerId="ADAL" clId="{A2A0E723-BA6A-4C8D-A93B-2AFAD3ACB902}" dt="2020-10-31T17:55:09.458" v="313" actId="1076"/>
+          <ac:picMkLst>
+            <pc:docMk/>
+            <pc:sldMk cId="82224199" sldId="267"/>
+            <ac:picMk id="9" creationId="{8FA807D4-2CE3-4E9D-962E-1583E27BA331}"/>
+          </ac:picMkLst>
+        </pc:picChg>
+      </pc:sldChg>
+      <pc:sldChg chg="addSp delSp modSp add">
+        <pc:chgData name="Villarreal Jorge Hector" userId="834edb76-31d5-469c-83b3-357aaa1b68bb" providerId="ADAL" clId="{A2A0E723-BA6A-4C8D-A93B-2AFAD3ACB902}" dt="2020-10-31T18:15:53.422" v="714" actId="20577"/>
+        <pc:sldMkLst>
+          <pc:docMk/>
+          <pc:sldMk cId="1730832180" sldId="268"/>
+        </pc:sldMkLst>
+        <pc:spChg chg="mod">
+          <ac:chgData name="Villarreal Jorge Hector" userId="834edb76-31d5-469c-83b3-357aaa1b68bb" providerId="ADAL" clId="{A2A0E723-BA6A-4C8D-A93B-2AFAD3ACB902}" dt="2020-10-31T18:15:53.422" v="714" actId="20577"/>
+          <ac:spMkLst>
+            <pc:docMk/>
+            <pc:sldMk cId="1730832180" sldId="268"/>
+            <ac:spMk id="2" creationId="{70442C7E-1978-43A0-86A2-6056E49161C9}"/>
+          </ac:spMkLst>
+        </pc:spChg>
+        <pc:spChg chg="add del mod">
+          <ac:chgData name="Villarreal Jorge Hector" userId="834edb76-31d5-469c-83b3-357aaa1b68bb" providerId="ADAL" clId="{A2A0E723-BA6A-4C8D-A93B-2AFAD3ACB902}" dt="2020-10-31T18:02:02.792" v="345" actId="478"/>
+          <ac:spMkLst>
+            <pc:docMk/>
+            <pc:sldMk cId="1730832180" sldId="268"/>
+            <ac:spMk id="6" creationId="{B87B3A11-B217-4098-BECD-401D22C8F814}"/>
+          </ac:spMkLst>
+        </pc:spChg>
+        <pc:spChg chg="add mod">
+          <ac:chgData name="Villarreal Jorge Hector" userId="834edb76-31d5-469c-83b3-357aaa1b68bb" providerId="ADAL" clId="{A2A0E723-BA6A-4C8D-A93B-2AFAD3ACB902}" dt="2020-10-31T18:03:13.572" v="383" actId="20577"/>
+          <ac:spMkLst>
+            <pc:docMk/>
+            <pc:sldMk cId="1730832180" sldId="268"/>
+            <ac:spMk id="11" creationId="{D3BDDC64-0B35-4A6B-8A6F-B8D272A0E9A2}"/>
+          </ac:spMkLst>
+        </pc:spChg>
+        <pc:spChg chg="add mod">
+          <ac:chgData name="Villarreal Jorge Hector" userId="834edb76-31d5-469c-83b3-357aaa1b68bb" providerId="ADAL" clId="{A2A0E723-BA6A-4C8D-A93B-2AFAD3ACB902}" dt="2020-10-31T18:03:06.383" v="377" actId="20577"/>
+          <ac:spMkLst>
+            <pc:docMk/>
+            <pc:sldMk cId="1730832180" sldId="268"/>
+            <ac:spMk id="12" creationId="{E565EEF8-59A8-4C19-89BF-E90A4B6648F1}"/>
+          </ac:spMkLst>
+        </pc:spChg>
+        <pc:spChg chg="add mod">
+          <ac:chgData name="Villarreal Jorge Hector" userId="834edb76-31d5-469c-83b3-357aaa1b68bb" providerId="ADAL" clId="{A2A0E723-BA6A-4C8D-A93B-2AFAD3ACB902}" dt="2020-10-31T18:03:28.924" v="397" actId="20577"/>
+          <ac:spMkLst>
+            <pc:docMk/>
+            <pc:sldMk cId="1730832180" sldId="268"/>
+            <ac:spMk id="13" creationId="{D709A078-F1AA-498F-975E-590DF42F1D4B}"/>
+          </ac:spMkLst>
+        </pc:spChg>
+        <pc:spChg chg="add">
+          <ac:chgData name="Villarreal Jorge Hector" userId="834edb76-31d5-469c-83b3-357aaa1b68bb" providerId="ADAL" clId="{A2A0E723-BA6A-4C8D-A93B-2AFAD3ACB902}" dt="2020-10-31T18:10:19.246" v="686"/>
+          <ac:spMkLst>
+            <pc:docMk/>
+            <pc:sldMk cId="1730832180" sldId="268"/>
+            <ac:spMk id="14" creationId="{FAB55F82-E5F1-49ED-94C5-A4251F00B265}"/>
+          </ac:spMkLst>
+        </pc:spChg>
+        <pc:picChg chg="add mod modCrop">
+          <ac:chgData name="Villarreal Jorge Hector" userId="834edb76-31d5-469c-83b3-357aaa1b68bb" providerId="ADAL" clId="{A2A0E723-BA6A-4C8D-A93B-2AFAD3ACB902}" dt="2020-10-31T18:02:24.901" v="352" actId="1076"/>
+          <ac:picMkLst>
+            <pc:docMk/>
+            <pc:sldMk cId="1730832180" sldId="268"/>
+            <ac:picMk id="4" creationId="{8B57B232-D25C-47B7-B646-036DDA81E1CA}"/>
+          </ac:picMkLst>
+        </pc:picChg>
+        <pc:picChg chg="del">
+          <ac:chgData name="Villarreal Jorge Hector" userId="834edb76-31d5-469c-83b3-357aaa1b68bb" providerId="ADAL" clId="{A2A0E723-BA6A-4C8D-A93B-2AFAD3ACB902}" dt="2020-10-31T17:59:50.202" v="329" actId="478"/>
+          <ac:picMkLst>
+            <pc:docMk/>
+            <pc:sldMk cId="1730832180" sldId="268"/>
+            <ac:picMk id="5" creationId="{74D4CCB8-CF26-41AE-B220-98A06344098F}"/>
+          </ac:picMkLst>
+        </pc:picChg>
+        <pc:picChg chg="del">
+          <ac:chgData name="Villarreal Jorge Hector" userId="834edb76-31d5-469c-83b3-357aaa1b68bb" providerId="ADAL" clId="{A2A0E723-BA6A-4C8D-A93B-2AFAD3ACB902}" dt="2020-10-31T17:59:51.521" v="331" actId="478"/>
+          <ac:picMkLst>
+            <pc:docMk/>
+            <pc:sldMk cId="1730832180" sldId="268"/>
+            <ac:picMk id="7" creationId="{452E6022-8DC4-48F2-803D-0116A13AEC90}"/>
+          </ac:picMkLst>
+        </pc:picChg>
+        <pc:picChg chg="del">
+          <ac:chgData name="Villarreal Jorge Hector" userId="834edb76-31d5-469c-83b3-357aaa1b68bb" providerId="ADAL" clId="{A2A0E723-BA6A-4C8D-A93B-2AFAD3ACB902}" dt="2020-10-31T17:59:50.700" v="330" actId="478"/>
+          <ac:picMkLst>
+            <pc:docMk/>
+            <pc:sldMk cId="1730832180" sldId="268"/>
+            <ac:picMk id="9" creationId="{8FA807D4-2CE3-4E9D-962E-1583E27BA331}"/>
+          </ac:picMkLst>
+        </pc:picChg>
+      </pc:sldChg>
+      <pc:sldChg chg="addSp delSp modSp add">
+        <pc:chgData name="Villarreal Jorge Hector" userId="834edb76-31d5-469c-83b3-357aaa1b68bb" providerId="ADAL" clId="{A2A0E723-BA6A-4C8D-A93B-2AFAD3ACB902}" dt="2020-10-31T18:14:13.279" v="708" actId="478"/>
+        <pc:sldMkLst>
+          <pc:docMk/>
+          <pc:sldMk cId="866671569" sldId="269"/>
+        </pc:sldMkLst>
+        <pc:spChg chg="mod">
+          <ac:chgData name="Villarreal Jorge Hector" userId="834edb76-31d5-469c-83b3-357aaa1b68bb" providerId="ADAL" clId="{A2A0E723-BA6A-4C8D-A93B-2AFAD3ACB902}" dt="2020-10-31T18:03:46.314" v="400" actId="108"/>
+          <ac:spMkLst>
+            <pc:docMk/>
+            <pc:sldMk cId="866671569" sldId="269"/>
+            <ac:spMk id="2" creationId="{1E339B49-36C2-4752-8E8D-17E08E30417B}"/>
+          </ac:spMkLst>
+        </pc:spChg>
+        <pc:spChg chg="del">
+          <ac:chgData name="Villarreal Jorge Hector" userId="834edb76-31d5-469c-83b3-357aaa1b68bb" providerId="ADAL" clId="{A2A0E723-BA6A-4C8D-A93B-2AFAD3ACB902}" dt="2020-10-31T18:03:49.498" v="401" actId="478"/>
+          <ac:spMkLst>
+            <pc:docMk/>
+            <pc:sldMk cId="866671569" sldId="269"/>
+            <ac:spMk id="3" creationId="{AFCEB7FD-1D4B-4FC7-9051-67BCB6899C0B}"/>
+          </ac:spMkLst>
+        </pc:spChg>
+        <pc:spChg chg="add mod">
+          <ac:chgData name="Villarreal Jorge Hector" userId="834edb76-31d5-469c-83b3-357aaa1b68bb" providerId="ADAL" clId="{A2A0E723-BA6A-4C8D-A93B-2AFAD3ACB902}" dt="2020-10-31T18:09:44.891" v="683" actId="113"/>
+          <ac:spMkLst>
+            <pc:docMk/>
+            <pc:sldMk cId="866671569" sldId="269"/>
+            <ac:spMk id="8" creationId="{99C6D764-25FA-459E-8344-BC2517E34A27}"/>
+          </ac:spMkLst>
+        </pc:spChg>
+        <pc:spChg chg="add">
+          <ac:chgData name="Villarreal Jorge Hector" userId="834edb76-31d5-469c-83b3-357aaa1b68bb" providerId="ADAL" clId="{A2A0E723-BA6A-4C8D-A93B-2AFAD3ACB902}" dt="2020-10-31T18:10:20.284" v="687"/>
+          <ac:spMkLst>
+            <pc:docMk/>
+            <pc:sldMk cId="866671569" sldId="269"/>
+            <ac:spMk id="9" creationId="{6CFC5074-9AED-4797-A776-20051EBA71DE}"/>
+          </ac:spMkLst>
+        </pc:spChg>
+        <pc:spChg chg="add del mod">
+          <ac:chgData name="Villarreal Jorge Hector" userId="834edb76-31d5-469c-83b3-357aaa1b68bb" providerId="ADAL" clId="{A2A0E723-BA6A-4C8D-A93B-2AFAD3ACB902}" dt="2020-10-31T18:14:13.279" v="708" actId="478"/>
+          <ac:spMkLst>
+            <pc:docMk/>
+            <pc:sldMk cId="866671569" sldId="269"/>
+            <ac:spMk id="10" creationId="{8FDEA9B6-CDAC-4EA2-959B-3DD063F72598}"/>
+          </ac:spMkLst>
+        </pc:spChg>
+        <pc:graphicFrameChg chg="add del">
+          <ac:chgData name="Villarreal Jorge Hector" userId="834edb76-31d5-469c-83b3-357aaa1b68bb" providerId="ADAL" clId="{A2A0E723-BA6A-4C8D-A93B-2AFAD3ACB902}" dt="2020-10-31T18:04:16.506" v="403"/>
+          <ac:graphicFrameMkLst>
+            <pc:docMk/>
+            <pc:sldMk cId="866671569" sldId="269"/>
+            <ac:graphicFrameMk id="4" creationId="{81921897-520B-42D1-8E13-96D5DAB833D4}"/>
+          </ac:graphicFrameMkLst>
+        </pc:graphicFrameChg>
+        <pc:graphicFrameChg chg="add mod modGraphic">
+          <ac:chgData name="Villarreal Jorge Hector" userId="834edb76-31d5-469c-83b3-357aaa1b68bb" providerId="ADAL" clId="{A2A0E723-BA6A-4C8D-A93B-2AFAD3ACB902}" dt="2020-10-31T18:08:49.340" v="620" actId="20577"/>
+          <ac:graphicFrameMkLst>
+            <pc:docMk/>
+            <pc:sldMk cId="866671569" sldId="269"/>
+            <ac:graphicFrameMk id="6" creationId="{78B77EF4-A618-481B-8935-216D0C9CF1F3}"/>
+          </ac:graphicFrameMkLst>
+        </pc:graphicFrameChg>
+        <pc:picChg chg="add del mod">
+          <ac:chgData name="Villarreal Jorge Hector" userId="834edb76-31d5-469c-83b3-357aaa1b68bb" providerId="ADAL" clId="{A2A0E723-BA6A-4C8D-A93B-2AFAD3ACB902}" dt="2020-10-31T18:04:57.019" v="408" actId="478"/>
+          <ac:picMkLst>
+            <pc:docMk/>
+            <pc:sldMk cId="866671569" sldId="269"/>
+            <ac:picMk id="5" creationId="{BECBB151-4D3C-48C1-B65A-2BAD571B8A0E}"/>
+          </ac:picMkLst>
+        </pc:picChg>
+        <pc:picChg chg="add mod">
+          <ac:chgData name="Villarreal Jorge Hector" userId="834edb76-31d5-469c-83b3-357aaa1b68bb" providerId="ADAL" clId="{A2A0E723-BA6A-4C8D-A93B-2AFAD3ACB902}" dt="2020-10-31T18:12:40.270" v="700" actId="1076"/>
+          <ac:picMkLst>
+            <pc:docMk/>
+            <pc:sldMk cId="866671569" sldId="269"/>
+            <ac:picMk id="2050" creationId="{75A92508-5ECB-4D21-8A18-D35F6EF72AEC}"/>
+          </ac:picMkLst>
+        </pc:picChg>
+      </pc:sldChg>
+    </pc:docChg>
+  </pc:docChgLst>
+</pc:chgInfo>
 </file>
 
 <file path=ppt/slideLayouts/slideLayout1.xml><?xml version="1.0" encoding="utf-8"?>
@@ -6630,6 +6987,966 @@
           <p:cNvPr id="2" name="Title 1">
             <a:extLst>
               <a:ext uri="{FF2B5EF4-FFF2-40B4-BE49-F238E27FC236}">
+                <a16:creationId xmlns:a16="http://schemas.microsoft.com/office/drawing/2014/main" id="{E5621A8C-1BD8-4046-80B6-6F531422EBC0}"/>
+              </a:ext>
+            </a:extLst>
+          </p:cNvPr>
+          <p:cNvSpPr>
+            <a:spLocks noGrp="1"/>
+          </p:cNvSpPr>
+          <p:nvPr>
+            <p:ph type="title"/>
+          </p:nvPr>
+        </p:nvSpPr>
+        <p:spPr>
+          <a:xfrm>
+            <a:off x="646111" y="363068"/>
+            <a:ext cx="9986030" cy="1400530"/>
+          </a:xfrm>
+        </p:spPr>
+        <p:txBody>
+          <a:bodyPr/>
+          <a:lstStyle/>
+          <a:p>
+            <a:r>
+              <a:rPr lang="es-ES" sz="3200" dirty="0" err="1"/>
+              <a:t>Myth</a:t>
+            </a:r>
+            <a:r>
+              <a:rPr lang="es-ES" sz="3200" dirty="0"/>
+              <a:t> 2-3. </a:t>
+            </a:r>
+            <a:r>
+              <a:rPr lang="es-ES" sz="3200" dirty="0" err="1"/>
+              <a:t>Biggest</a:t>
+            </a:r>
+            <a:r>
+              <a:rPr lang="es-ES" sz="3200" dirty="0"/>
+              <a:t> </a:t>
+            </a:r>
+            <a:r>
+              <a:rPr lang="es-ES" sz="3200" dirty="0" err="1"/>
+              <a:t>correlating</a:t>
+            </a:r>
+            <a:r>
+              <a:rPr lang="es-ES" sz="3200" dirty="0"/>
+              <a:t> variables </a:t>
+            </a:r>
+            <a:r>
+              <a:rPr lang="es-ES" sz="3200" dirty="0" err="1"/>
+              <a:t>on</a:t>
+            </a:r>
+            <a:r>
+              <a:rPr lang="es-ES" sz="3200" dirty="0"/>
+              <a:t> </a:t>
+            </a:r>
+            <a:r>
+              <a:rPr lang="es-ES" sz="3200" dirty="0" err="1"/>
+              <a:t>Covid</a:t>
+            </a:r>
+            <a:r>
+              <a:rPr lang="es-ES" sz="3200" dirty="0"/>
+              <a:t> </a:t>
+            </a:r>
+            <a:r>
+              <a:rPr lang="es-ES" sz="3200" dirty="0" err="1"/>
+              <a:t>deaths</a:t>
+            </a:r>
+            <a:r>
+              <a:rPr lang="es-ES" sz="3200" dirty="0"/>
+              <a:t> are </a:t>
+            </a:r>
+            <a:r>
+              <a:rPr lang="es-ES" sz="3200" dirty="0" err="1"/>
+              <a:t>Diabities</a:t>
+            </a:r>
+            <a:r>
+              <a:rPr lang="es-ES" sz="3200" dirty="0"/>
+              <a:t> and </a:t>
+            </a:r>
+            <a:r>
+              <a:rPr lang="es-ES" sz="3200" dirty="0" err="1"/>
+              <a:t>Heart</a:t>
+            </a:r>
+            <a:r>
+              <a:rPr lang="es-ES" sz="3200" dirty="0"/>
+              <a:t> Desease and </a:t>
+            </a:r>
+            <a:r>
+              <a:rPr lang="es-ES" sz="3200" dirty="0" err="1"/>
+              <a:t>negative</a:t>
+            </a:r>
+            <a:r>
+              <a:rPr lang="es-ES" sz="3200" dirty="0"/>
+              <a:t> </a:t>
+            </a:r>
+            <a:r>
+              <a:rPr lang="es-ES" sz="3200" dirty="0" err="1"/>
+              <a:t>correlation</a:t>
+            </a:r>
+            <a:r>
+              <a:rPr lang="es-ES" sz="3200" dirty="0"/>
+              <a:t> </a:t>
+            </a:r>
+            <a:r>
+              <a:rPr lang="es-ES" sz="3200" dirty="0" err="1"/>
+              <a:t>exist</a:t>
+            </a:r>
+            <a:r>
+              <a:rPr lang="es-ES" sz="3200" dirty="0"/>
+              <a:t> to GDP per </a:t>
+            </a:r>
+            <a:r>
+              <a:rPr lang="es-ES" sz="3200" dirty="0" err="1"/>
+              <a:t>capita</a:t>
+            </a:r>
+            <a:endParaRPr lang="en-MX" sz="3200" dirty="0"/>
+          </a:p>
+        </p:txBody>
+      </p:sp>
+      <p:sp>
+        <p:nvSpPr>
+          <p:cNvPr id="3" name="Content Placeholder 2">
+            <a:extLst>
+              <a:ext uri="{FF2B5EF4-FFF2-40B4-BE49-F238E27FC236}">
+                <a16:creationId xmlns:a16="http://schemas.microsoft.com/office/drawing/2014/main" id="{E73870B4-6B8E-7342-9023-9B6E4AB02B26}"/>
+              </a:ext>
+            </a:extLst>
+          </p:cNvPr>
+          <p:cNvSpPr>
+            <a:spLocks noGrp="1"/>
+          </p:cNvSpPr>
+          <p:nvPr>
+            <p:ph idx="1"/>
+          </p:nvPr>
+        </p:nvSpPr>
+        <p:spPr>
+          <a:xfrm>
+            <a:off x="502025" y="2230831"/>
+            <a:ext cx="11043864" cy="4195481"/>
+          </a:xfrm>
+        </p:spPr>
+        <p:txBody>
+          <a:bodyPr>
+            <a:normAutofit/>
+          </a:bodyPr>
+          <a:lstStyle/>
+          <a:p>
+            <a:pPr marL="0" indent="0">
+              <a:buNone/>
+            </a:pPr>
+            <a:r>
+              <a:rPr lang="en-MX" sz="2400" dirty="0"/>
+              <a:t>Main Hypothesis: Countries income will impact in hability to have lower COVID deaths and pleaces with higher Diabeties and H</a:t>
+            </a:r>
+            <a:r>
+              <a:rPr lang="en-US" sz="2400" dirty="0"/>
+              <a:t>e</a:t>
+            </a:r>
+            <a:r>
+              <a:rPr lang="en-MX" sz="2400" dirty="0"/>
+              <a:t>art deases rates will have a higher  Covid death rate</a:t>
+            </a:r>
+          </a:p>
+          <a:p>
+            <a:pPr marL="0" indent="0">
+              <a:buNone/>
+            </a:pPr>
+            <a:endParaRPr lang="en-MX" sz="2400" dirty="0"/>
+          </a:p>
+          <a:p>
+            <a:pPr marL="0" indent="0">
+              <a:buNone/>
+            </a:pPr>
+            <a:r>
+              <a:rPr lang="en-MX" sz="2400" dirty="0"/>
+              <a:t>Process:</a:t>
+            </a:r>
+          </a:p>
+          <a:p>
+            <a:pPr marL="0" indent="0">
+              <a:buNone/>
+            </a:pPr>
+            <a:r>
+              <a:rPr lang="en-MX" sz="2400" dirty="0"/>
+              <a:t>	</a:t>
+            </a:r>
+            <a:r>
+              <a:rPr lang="en-MX" sz="2400" b="1" dirty="0"/>
+              <a:t>1.</a:t>
+            </a:r>
+            <a:r>
+              <a:rPr lang="en-MX" sz="2400" dirty="0"/>
+              <a:t> Get data sources</a:t>
+            </a:r>
+          </a:p>
+          <a:p>
+            <a:pPr marL="0" indent="0">
+              <a:buNone/>
+            </a:pPr>
+            <a:r>
+              <a:rPr lang="en-MX" sz="2400" dirty="0"/>
+              <a:t>	</a:t>
+            </a:r>
+            <a:r>
+              <a:rPr lang="en-MX" sz="2400" b="1" dirty="0"/>
+              <a:t>2.</a:t>
+            </a:r>
+            <a:r>
+              <a:rPr lang="en-MX" sz="2400" dirty="0"/>
+              <a:t> Find availiabie variables to find correlations</a:t>
+            </a:r>
+          </a:p>
+          <a:p>
+            <a:pPr marL="0" indent="0">
+              <a:buNone/>
+            </a:pPr>
+            <a:r>
+              <a:rPr lang="en-MX" sz="2400" dirty="0"/>
+              <a:t>	</a:t>
+            </a:r>
+            <a:r>
+              <a:rPr lang="en-MX" sz="2400" b="1" dirty="0"/>
+              <a:t>3.</a:t>
+            </a:r>
+            <a:r>
+              <a:rPr lang="en-MX" sz="2400" dirty="0"/>
+              <a:t> Peforme multivariable analysis to reject not correlatig variables </a:t>
+            </a:r>
+          </a:p>
+          <a:p>
+            <a:pPr marL="0" indent="0">
+              <a:buNone/>
+            </a:pPr>
+            <a:r>
+              <a:rPr lang="en-MX" sz="2400" dirty="0"/>
+              <a:t>	</a:t>
+            </a:r>
+            <a:r>
+              <a:rPr lang="en-MX" sz="2400" b="1" dirty="0"/>
+              <a:t>4. </a:t>
+            </a:r>
+            <a:r>
+              <a:rPr lang="en-MX" sz="2400" dirty="0"/>
+              <a:t>Arrive to conclusions</a:t>
+            </a:r>
+          </a:p>
+          <a:p>
+            <a:pPr marL="0" indent="0">
+              <a:buNone/>
+            </a:pPr>
+            <a:endParaRPr lang="en-MX" sz="2400" dirty="0"/>
+          </a:p>
+          <a:p>
+            <a:pPr marL="0" indent="0">
+              <a:buNone/>
+            </a:pPr>
+            <a:endParaRPr lang="en-MX" sz="2400" dirty="0"/>
+          </a:p>
+          <a:p>
+            <a:pPr marL="0" indent="0">
+              <a:buNone/>
+            </a:pPr>
+            <a:endParaRPr lang="en-MX" sz="2400" dirty="0"/>
+          </a:p>
+          <a:p>
+            <a:pPr marL="0" indent="0">
+              <a:buNone/>
+            </a:pPr>
+            <a:endParaRPr lang="en-MX" sz="2400" dirty="0"/>
+          </a:p>
+          <a:p>
+            <a:pPr marL="0" indent="0">
+              <a:buNone/>
+            </a:pPr>
+            <a:endParaRPr lang="en-MX" sz="2400" dirty="0"/>
+          </a:p>
+          <a:p>
+            <a:pPr marL="0" indent="0">
+              <a:buNone/>
+            </a:pPr>
+            <a:endParaRPr lang="en-MX" sz="2400" dirty="0"/>
+          </a:p>
+          <a:p>
+            <a:pPr marL="0" indent="0">
+              <a:buNone/>
+            </a:pPr>
+            <a:endParaRPr lang="en-MX" sz="2400" dirty="0"/>
+          </a:p>
+        </p:txBody>
+      </p:sp>
+      <p:sp>
+        <p:nvSpPr>
+          <p:cNvPr id="4" name="Slide Number Placeholder 5">
+            <a:extLst>
+              <a:ext uri="{FF2B5EF4-FFF2-40B4-BE49-F238E27FC236}">
+                <a16:creationId xmlns:a16="http://schemas.microsoft.com/office/drawing/2014/main" id="{12A46A79-551E-574D-B650-034048FC3851}"/>
+              </a:ext>
+            </a:extLst>
+          </p:cNvPr>
+          <p:cNvSpPr>
+            <a:spLocks noGrp="1"/>
+          </p:cNvSpPr>
+          <p:nvPr>
+            <p:ph type="sldNum" sz="quarter" idx="4"/>
+          </p:nvPr>
+        </p:nvSpPr>
+        <p:spPr bwMode="gray">
+          <a:xfrm>
+            <a:off x="10387709" y="96438"/>
+            <a:ext cx="838199" cy="767687"/>
+          </a:xfrm>
+          <a:prstGeom prst="rect">
+            <a:avLst/>
+          </a:prstGeom>
+        </p:spPr>
+        <p:txBody>
+          <a:bodyPr vert="horz" lIns="91440" tIns="45720" rIns="91440" bIns="45720" rtlCol="0" anchor="b"/>
+          <a:lstStyle>
+            <a:lvl1pPr algn="ctr">
+              <a:defRPr sz="3600" b="0" i="1">
+                <a:solidFill>
+                  <a:schemeClr val="tx1">
+                    <a:tint val="75000"/>
+                  </a:schemeClr>
+                </a:solidFill>
+              </a:defRPr>
+            </a:lvl1pPr>
+          </a:lstStyle>
+          <a:p>
+            <a:r>
+              <a:rPr lang="en-US" i="0" dirty="0"/>
+              <a:t>𝛴</a:t>
+            </a:r>
+            <a:r>
+              <a:rPr lang="en-US" dirty="0"/>
+              <a:t>:</a:t>
+            </a:r>
+          </a:p>
+        </p:txBody>
+      </p:sp>
+    </p:spTree>
+    <p:extLst>
+      <p:ext uri="{BB962C8B-B14F-4D97-AF65-F5344CB8AC3E}">
+        <p14:creationId xmlns:p14="http://schemas.microsoft.com/office/powerpoint/2010/main" val="3790741576"/>
+      </p:ext>
+    </p:extLst>
+  </p:cSld>
+  <p:clrMapOvr>
+    <a:masterClrMapping/>
+  </p:clrMapOvr>
+</p:sld>
+</file>
+
+<file path=ppt/slides/slide11.xml><?xml version="1.0" encoding="utf-8"?>
+<p:sld xmlns:a="http://schemas.openxmlformats.org/drawingml/2006/main" xmlns:r="http://schemas.openxmlformats.org/officeDocument/2006/relationships" xmlns:p="http://schemas.openxmlformats.org/presentationml/2006/main">
+  <p:cSld>
+    <p:spTree>
+      <p:nvGrpSpPr>
+        <p:cNvPr id="1" name=""/>
+        <p:cNvGrpSpPr/>
+        <p:nvPr/>
+      </p:nvGrpSpPr>
+      <p:grpSpPr>
+        <a:xfrm>
+          <a:off x="0" y="0"/>
+          <a:ext cx="0" cy="0"/>
+          <a:chOff x="0" y="0"/>
+          <a:chExt cx="0" cy="0"/>
+        </a:xfrm>
+      </p:grpSpPr>
+      <p:sp>
+        <p:nvSpPr>
+          <p:cNvPr id="2" name="Title 1">
+            <a:extLst>
+              <a:ext uri="{FF2B5EF4-FFF2-40B4-BE49-F238E27FC236}">
+                <a16:creationId xmlns:a16="http://schemas.microsoft.com/office/drawing/2014/main" id="{E5621A8C-1BD8-4046-80B6-6F531422EBC0}"/>
+              </a:ext>
+            </a:extLst>
+          </p:cNvPr>
+          <p:cNvSpPr>
+            <a:spLocks noGrp="1"/>
+          </p:cNvSpPr>
+          <p:nvPr>
+            <p:ph type="title"/>
+          </p:nvPr>
+        </p:nvSpPr>
+        <p:spPr>
+          <a:xfrm>
+            <a:off x="646111" y="363068"/>
+            <a:ext cx="9986030" cy="1400530"/>
+          </a:xfrm>
+        </p:spPr>
+        <p:txBody>
+          <a:bodyPr/>
+          <a:lstStyle/>
+          <a:p>
+            <a:r>
+              <a:rPr lang="es-ES" sz="3200" dirty="0" err="1"/>
+              <a:t>Myth</a:t>
+            </a:r>
+            <a:r>
+              <a:rPr lang="es-ES" sz="3200" dirty="0"/>
+              <a:t> 4. </a:t>
+            </a:r>
+            <a:r>
+              <a:rPr lang="es-ES" sz="3200" dirty="0" err="1"/>
+              <a:t>Cities</a:t>
+            </a:r>
+            <a:r>
+              <a:rPr lang="es-ES" sz="3200" dirty="0"/>
+              <a:t> </a:t>
+            </a:r>
+            <a:r>
+              <a:rPr lang="es-ES" sz="3200" dirty="0" err="1"/>
+              <a:t>with</a:t>
+            </a:r>
+            <a:r>
+              <a:rPr lang="es-ES" sz="3200" dirty="0"/>
+              <a:t> </a:t>
+            </a:r>
+            <a:r>
+              <a:rPr lang="es-ES" sz="3200" dirty="0" err="1"/>
+              <a:t>higher</a:t>
+            </a:r>
+            <a:r>
+              <a:rPr lang="es-ES" sz="3200" dirty="0"/>
+              <a:t> </a:t>
+            </a:r>
+            <a:r>
+              <a:rPr lang="es-ES" sz="3200" dirty="0" err="1"/>
+              <a:t>tempeture</a:t>
+            </a:r>
+            <a:r>
+              <a:rPr lang="es-ES" sz="3200" dirty="0"/>
+              <a:t> </a:t>
+            </a:r>
+            <a:r>
+              <a:rPr lang="es-ES" sz="3200" dirty="0" err="1"/>
+              <a:t>will</a:t>
+            </a:r>
+            <a:r>
+              <a:rPr lang="es-ES" sz="3200" dirty="0"/>
+              <a:t> </a:t>
+            </a:r>
+            <a:r>
+              <a:rPr lang="es-ES" sz="3200" dirty="0" err="1"/>
+              <a:t>have</a:t>
+            </a:r>
+            <a:r>
+              <a:rPr lang="es-ES" sz="3200" dirty="0"/>
+              <a:t> </a:t>
+            </a:r>
+            <a:r>
+              <a:rPr lang="es-ES" sz="3200" dirty="0" err="1"/>
+              <a:t>lower</a:t>
+            </a:r>
+            <a:r>
+              <a:rPr lang="es-ES" sz="3200" dirty="0"/>
+              <a:t> </a:t>
+            </a:r>
+            <a:r>
+              <a:rPr lang="es-ES" sz="3200" dirty="0" err="1"/>
+              <a:t>Covid</a:t>
+            </a:r>
+            <a:r>
+              <a:rPr lang="es-ES" sz="3200" dirty="0"/>
+              <a:t> </a:t>
+            </a:r>
+            <a:r>
+              <a:rPr lang="es-ES" sz="3200" dirty="0" err="1"/>
+              <a:t>death</a:t>
+            </a:r>
+            <a:r>
+              <a:rPr lang="es-ES" sz="3200" dirty="0"/>
+              <a:t> </a:t>
+            </a:r>
+            <a:r>
+              <a:rPr lang="es-ES" sz="3200" dirty="0" err="1"/>
+              <a:t>rates</a:t>
+            </a:r>
+            <a:endParaRPr lang="en-MX" sz="3200" dirty="0"/>
+          </a:p>
+        </p:txBody>
+      </p:sp>
+      <p:sp>
+        <p:nvSpPr>
+          <p:cNvPr id="3" name="Content Placeholder 2">
+            <a:extLst>
+              <a:ext uri="{FF2B5EF4-FFF2-40B4-BE49-F238E27FC236}">
+                <a16:creationId xmlns:a16="http://schemas.microsoft.com/office/drawing/2014/main" id="{E73870B4-6B8E-7342-9023-9B6E4AB02B26}"/>
+              </a:ext>
+            </a:extLst>
+          </p:cNvPr>
+          <p:cNvSpPr>
+            <a:spLocks noGrp="1"/>
+          </p:cNvSpPr>
+          <p:nvPr>
+            <p:ph idx="1"/>
+          </p:nvPr>
+        </p:nvSpPr>
+        <p:spPr>
+          <a:xfrm>
+            <a:off x="502025" y="2230831"/>
+            <a:ext cx="11043864" cy="4195481"/>
+          </a:xfrm>
+        </p:spPr>
+        <p:txBody>
+          <a:bodyPr>
+            <a:normAutofit/>
+          </a:bodyPr>
+          <a:lstStyle/>
+          <a:p>
+            <a:pPr marL="0" indent="0">
+              <a:buNone/>
+            </a:pPr>
+            <a:r>
+              <a:rPr lang="en-MX" sz="2400" dirty="0"/>
+              <a:t>Main Hypothesis: </a:t>
+            </a:r>
+            <a:r>
+              <a:rPr lang="es-ES" sz="2400" dirty="0"/>
+              <a:t>In places </a:t>
+            </a:r>
+            <a:r>
+              <a:rPr lang="es-ES" sz="2400" dirty="0" err="1"/>
+              <a:t>with</a:t>
+            </a:r>
+            <a:r>
+              <a:rPr lang="es-ES" sz="2400" dirty="0"/>
+              <a:t> </a:t>
+            </a:r>
+            <a:r>
+              <a:rPr lang="es-ES" sz="2400" dirty="0" err="1"/>
+              <a:t>higher</a:t>
+            </a:r>
+            <a:r>
+              <a:rPr lang="es-ES" sz="2400" dirty="0"/>
+              <a:t> </a:t>
+            </a:r>
+            <a:r>
+              <a:rPr lang="es-ES" sz="2400" dirty="0" err="1"/>
+              <a:t>tempatures</a:t>
+            </a:r>
+            <a:r>
+              <a:rPr lang="es-ES" sz="2400" dirty="0"/>
+              <a:t> </a:t>
+            </a:r>
+            <a:r>
+              <a:rPr lang="es-ES" sz="2400" dirty="0" err="1"/>
+              <a:t>contagion</a:t>
+            </a:r>
+            <a:r>
+              <a:rPr lang="es-ES" sz="2400" dirty="0"/>
+              <a:t> and </a:t>
+            </a:r>
+            <a:r>
+              <a:rPr lang="es-ES" sz="2400" dirty="0" err="1"/>
+              <a:t>thus</a:t>
+            </a:r>
+            <a:r>
+              <a:rPr lang="es-ES" sz="2400" dirty="0"/>
+              <a:t> </a:t>
+            </a:r>
+            <a:r>
+              <a:rPr lang="es-ES" sz="2400" dirty="0" err="1"/>
+              <a:t>deast</a:t>
+            </a:r>
+            <a:r>
+              <a:rPr lang="es-ES" sz="2400" dirty="0"/>
+              <a:t> </a:t>
+            </a:r>
+            <a:r>
+              <a:rPr lang="es-ES" sz="2400" dirty="0" err="1"/>
+              <a:t>rate</a:t>
+            </a:r>
+            <a:r>
+              <a:rPr lang="es-ES" sz="2400" dirty="0"/>
+              <a:t> </a:t>
+            </a:r>
+            <a:r>
+              <a:rPr lang="es-ES" sz="2400" dirty="0" err="1"/>
+              <a:t>is</a:t>
+            </a:r>
+            <a:r>
+              <a:rPr lang="es-ES" sz="2400" dirty="0"/>
+              <a:t> </a:t>
+            </a:r>
+            <a:r>
+              <a:rPr lang="es-ES" sz="2400" dirty="0" err="1"/>
+              <a:t>expected</a:t>
+            </a:r>
+            <a:r>
+              <a:rPr lang="es-ES" sz="2400" dirty="0"/>
+              <a:t> to be </a:t>
+            </a:r>
+            <a:r>
+              <a:rPr lang="es-ES" sz="2400" dirty="0" err="1"/>
+              <a:t>lower</a:t>
+            </a:r>
+            <a:r>
+              <a:rPr lang="es-ES" sz="2400" dirty="0"/>
+              <a:t> </a:t>
+            </a:r>
+            <a:r>
+              <a:rPr lang="es-ES" sz="2400" dirty="0" err="1"/>
+              <a:t>than</a:t>
+            </a:r>
+            <a:r>
+              <a:rPr lang="es-ES" sz="2400" dirty="0"/>
+              <a:t> places </a:t>
+            </a:r>
+            <a:r>
+              <a:rPr lang="es-ES" sz="2400" dirty="0" err="1"/>
+              <a:t>with</a:t>
+            </a:r>
+            <a:r>
+              <a:rPr lang="es-ES" sz="2400" dirty="0"/>
+              <a:t> </a:t>
+            </a:r>
+            <a:r>
+              <a:rPr lang="es-ES" sz="2400" dirty="0" err="1"/>
+              <a:t>lower</a:t>
+            </a:r>
+            <a:r>
+              <a:rPr lang="es-ES" sz="2400" dirty="0"/>
+              <a:t> </a:t>
+            </a:r>
+            <a:r>
+              <a:rPr lang="es-ES" sz="2400" dirty="0" err="1"/>
+              <a:t>average</a:t>
+            </a:r>
+            <a:r>
+              <a:rPr lang="es-ES" sz="2400" dirty="0"/>
+              <a:t> </a:t>
+            </a:r>
+            <a:r>
+              <a:rPr lang="es-ES" sz="2400" dirty="0" err="1"/>
+              <a:t>tempature</a:t>
+            </a:r>
+            <a:r>
+              <a:rPr lang="es-ES" sz="2400" dirty="0"/>
+              <a:t>. </a:t>
+            </a:r>
+            <a:endParaRPr lang="en-MX" sz="2400" dirty="0"/>
+          </a:p>
+          <a:p>
+            <a:pPr marL="0" indent="0">
+              <a:buNone/>
+            </a:pPr>
+            <a:endParaRPr lang="en-MX" sz="2400" dirty="0"/>
+          </a:p>
+          <a:p>
+            <a:pPr marL="0" indent="0">
+              <a:buNone/>
+            </a:pPr>
+            <a:r>
+              <a:rPr lang="en-MX" sz="2400" dirty="0"/>
+              <a:t>Process:</a:t>
+            </a:r>
+          </a:p>
+          <a:p>
+            <a:pPr marL="0" indent="0">
+              <a:buNone/>
+            </a:pPr>
+            <a:r>
+              <a:rPr lang="en-MX" sz="2400" dirty="0"/>
+              <a:t>	</a:t>
+            </a:r>
+            <a:r>
+              <a:rPr lang="en-MX" sz="2400" b="1" dirty="0"/>
+              <a:t>1.</a:t>
+            </a:r>
+            <a:r>
+              <a:rPr lang="en-MX" sz="2400" dirty="0"/>
+              <a:t> Get data sources</a:t>
+            </a:r>
+          </a:p>
+          <a:p>
+            <a:pPr marL="0" indent="0">
+              <a:buNone/>
+            </a:pPr>
+            <a:r>
+              <a:rPr lang="en-MX" sz="2400" dirty="0"/>
+              <a:t>	</a:t>
+            </a:r>
+            <a:r>
+              <a:rPr lang="en-MX" sz="2400" b="1" dirty="0"/>
+              <a:t>2.</a:t>
+            </a:r>
+            <a:r>
+              <a:rPr lang="en-MX" sz="2400" dirty="0"/>
+              <a:t> Find availiabie variables to find correlations</a:t>
+            </a:r>
+          </a:p>
+          <a:p>
+            <a:pPr marL="0" indent="0">
+              <a:buNone/>
+            </a:pPr>
+            <a:r>
+              <a:rPr lang="en-MX" sz="2400" dirty="0"/>
+              <a:t>	</a:t>
+            </a:r>
+            <a:r>
+              <a:rPr lang="en-MX" sz="2400" b="1" dirty="0"/>
+              <a:t>3.</a:t>
+            </a:r>
+            <a:r>
+              <a:rPr lang="en-MX" sz="2400" dirty="0"/>
+              <a:t> Peforme multivariable analysis to reject not correlatig variables </a:t>
+            </a:r>
+          </a:p>
+          <a:p>
+            <a:pPr marL="0" indent="0">
+              <a:buNone/>
+            </a:pPr>
+            <a:r>
+              <a:rPr lang="en-MX" sz="2400" dirty="0"/>
+              <a:t>	</a:t>
+            </a:r>
+            <a:r>
+              <a:rPr lang="en-MX" sz="2400" b="1" dirty="0"/>
+              <a:t>4. </a:t>
+            </a:r>
+            <a:r>
+              <a:rPr lang="en-MX" sz="2400" dirty="0"/>
+              <a:t>Arrive to conclusions</a:t>
+            </a:r>
+          </a:p>
+          <a:p>
+            <a:pPr marL="0" indent="0">
+              <a:buNone/>
+            </a:pPr>
+            <a:endParaRPr lang="en-MX" sz="2400" dirty="0"/>
+          </a:p>
+          <a:p>
+            <a:pPr marL="0" indent="0">
+              <a:buNone/>
+            </a:pPr>
+            <a:endParaRPr lang="en-MX" sz="2400" dirty="0"/>
+          </a:p>
+          <a:p>
+            <a:pPr marL="0" indent="0">
+              <a:buNone/>
+            </a:pPr>
+            <a:endParaRPr lang="en-MX" sz="2400" dirty="0"/>
+          </a:p>
+          <a:p>
+            <a:pPr marL="0" indent="0">
+              <a:buNone/>
+            </a:pPr>
+            <a:endParaRPr lang="en-MX" sz="2400" dirty="0"/>
+          </a:p>
+          <a:p>
+            <a:pPr marL="0" indent="0">
+              <a:buNone/>
+            </a:pPr>
+            <a:endParaRPr lang="en-MX" sz="2400" dirty="0"/>
+          </a:p>
+          <a:p>
+            <a:pPr marL="0" indent="0">
+              <a:buNone/>
+            </a:pPr>
+            <a:endParaRPr lang="en-MX" sz="2400" dirty="0"/>
+          </a:p>
+          <a:p>
+            <a:pPr marL="0" indent="0">
+              <a:buNone/>
+            </a:pPr>
+            <a:endParaRPr lang="en-MX" sz="2400" dirty="0"/>
+          </a:p>
+        </p:txBody>
+      </p:sp>
+      <p:sp>
+        <p:nvSpPr>
+          <p:cNvPr id="4" name="Slide Number Placeholder 5">
+            <a:extLst>
+              <a:ext uri="{FF2B5EF4-FFF2-40B4-BE49-F238E27FC236}">
+                <a16:creationId xmlns:a16="http://schemas.microsoft.com/office/drawing/2014/main" id="{12A46A79-551E-574D-B650-034048FC3851}"/>
+              </a:ext>
+            </a:extLst>
+          </p:cNvPr>
+          <p:cNvSpPr>
+            <a:spLocks noGrp="1"/>
+          </p:cNvSpPr>
+          <p:nvPr>
+            <p:ph type="sldNum" sz="quarter" idx="4"/>
+          </p:nvPr>
+        </p:nvSpPr>
+        <p:spPr bwMode="gray">
+          <a:xfrm>
+            <a:off x="10387709" y="96438"/>
+            <a:ext cx="838199" cy="767687"/>
+          </a:xfrm>
+          <a:prstGeom prst="rect">
+            <a:avLst/>
+          </a:prstGeom>
+        </p:spPr>
+        <p:txBody>
+          <a:bodyPr vert="horz" lIns="91440" tIns="45720" rIns="91440" bIns="45720" rtlCol="0" anchor="b"/>
+          <a:lstStyle>
+            <a:lvl1pPr algn="ctr">
+              <a:defRPr sz="3600" b="0" i="1">
+                <a:solidFill>
+                  <a:schemeClr val="tx1">
+                    <a:tint val="75000"/>
+                  </a:schemeClr>
+                </a:solidFill>
+              </a:defRPr>
+            </a:lvl1pPr>
+          </a:lstStyle>
+          <a:p>
+            <a:r>
+              <a:rPr lang="en-US" i="0" dirty="0"/>
+              <a:t>𝛴</a:t>
+            </a:r>
+            <a:r>
+              <a:rPr lang="en-US" dirty="0"/>
+              <a:t>:</a:t>
+            </a:r>
+          </a:p>
+        </p:txBody>
+      </p:sp>
+    </p:spTree>
+    <p:extLst>
+      <p:ext uri="{BB962C8B-B14F-4D97-AF65-F5344CB8AC3E}">
+        <p14:creationId xmlns:p14="http://schemas.microsoft.com/office/powerpoint/2010/main" val="3940354841"/>
+      </p:ext>
+    </p:extLst>
+  </p:cSld>
+  <p:clrMapOvr>
+    <a:masterClrMapping/>
+  </p:clrMapOvr>
+</p:sld>
+</file>
+
+<file path=ppt/slides/slide12.xml><?xml version="1.0" encoding="utf-8"?>
+<p:sld xmlns:a="http://schemas.openxmlformats.org/drawingml/2006/main" xmlns:r="http://schemas.openxmlformats.org/officeDocument/2006/relationships" xmlns:p="http://schemas.openxmlformats.org/presentationml/2006/main">
+  <p:cSld>
+    <p:spTree>
+      <p:nvGrpSpPr>
+        <p:cNvPr id="1" name=""/>
+        <p:cNvGrpSpPr/>
+        <p:nvPr/>
+      </p:nvGrpSpPr>
+      <p:grpSpPr>
+        <a:xfrm>
+          <a:off x="0" y="0"/>
+          <a:ext cx="0" cy="0"/>
+          <a:chOff x="0" y="0"/>
+          <a:chExt cx="0" cy="0"/>
+        </a:xfrm>
+      </p:grpSpPr>
+      <p:sp>
+        <p:nvSpPr>
+          <p:cNvPr id="2" name="Title 1">
+            <a:extLst>
+              <a:ext uri="{FF2B5EF4-FFF2-40B4-BE49-F238E27FC236}">
+                <a16:creationId xmlns:a16="http://schemas.microsoft.com/office/drawing/2014/main" id="{E56EE10E-0954-D840-B8A1-84FBC0A393DA}"/>
+              </a:ext>
+            </a:extLst>
+          </p:cNvPr>
+          <p:cNvSpPr>
+            <a:spLocks noGrp="1"/>
+          </p:cNvSpPr>
+          <p:nvPr>
+            <p:ph type="title"/>
+          </p:nvPr>
+        </p:nvSpPr>
+        <p:spPr/>
+        <p:txBody>
+          <a:bodyPr/>
+          <a:lstStyle/>
+          <a:p>
+            <a:endParaRPr lang="en-MX" dirty="0"/>
+          </a:p>
+        </p:txBody>
+      </p:sp>
+      <p:sp>
+        <p:nvSpPr>
+          <p:cNvPr id="3" name="Content Placeholder 2">
+            <a:extLst>
+              <a:ext uri="{FF2B5EF4-FFF2-40B4-BE49-F238E27FC236}">
+                <a16:creationId xmlns:a16="http://schemas.microsoft.com/office/drawing/2014/main" id="{B009BCDC-DA24-3746-83CA-86DBAF9D7B42}"/>
+              </a:ext>
+            </a:extLst>
+          </p:cNvPr>
+          <p:cNvSpPr>
+            <a:spLocks noGrp="1"/>
+          </p:cNvSpPr>
+          <p:nvPr>
+            <p:ph sz="half" idx="1"/>
+          </p:nvPr>
+        </p:nvSpPr>
+        <p:spPr/>
+        <p:txBody>
+          <a:bodyPr/>
+          <a:lstStyle/>
+          <a:p>
+            <a:endParaRPr lang="en-MX"/>
+          </a:p>
+        </p:txBody>
+      </p:sp>
+      <p:sp>
+        <p:nvSpPr>
+          <p:cNvPr id="4" name="Content Placeholder 3">
+            <a:extLst>
+              <a:ext uri="{FF2B5EF4-FFF2-40B4-BE49-F238E27FC236}">
+                <a16:creationId xmlns:a16="http://schemas.microsoft.com/office/drawing/2014/main" id="{9162DA83-B83C-B146-A968-A2AA2610A3F4}"/>
+              </a:ext>
+            </a:extLst>
+          </p:cNvPr>
+          <p:cNvSpPr>
+            <a:spLocks noGrp="1"/>
+          </p:cNvSpPr>
+          <p:nvPr>
+            <p:ph sz="half" idx="2"/>
+          </p:nvPr>
+        </p:nvSpPr>
+        <p:spPr/>
+        <p:txBody>
+          <a:bodyPr/>
+          <a:lstStyle/>
+          <a:p>
+            <a:endParaRPr lang="en-MX"/>
+          </a:p>
+        </p:txBody>
+      </p:sp>
+    </p:spTree>
+    <p:extLst>
+      <p:ext uri="{BB962C8B-B14F-4D97-AF65-F5344CB8AC3E}">
+        <p14:creationId xmlns:p14="http://schemas.microsoft.com/office/powerpoint/2010/main" val="562365450"/>
+      </p:ext>
+    </p:extLst>
+  </p:cSld>
+  <p:clrMapOvr>
+    <a:masterClrMapping/>
+  </p:clrMapOvr>
+</p:sld>
+</file>
+
+<file path=ppt/slides/slide13.xml><?xml version="1.0" encoding="utf-8"?>
+<p:sld xmlns:a="http://schemas.openxmlformats.org/drawingml/2006/main" xmlns:r="http://schemas.openxmlformats.org/officeDocument/2006/relationships" xmlns:p="http://schemas.openxmlformats.org/presentationml/2006/main">
+  <p:cSld>
+    <p:spTree>
+      <p:nvGrpSpPr>
+        <p:cNvPr id="1" name=""/>
+        <p:cNvGrpSpPr/>
+        <p:nvPr/>
+      </p:nvGrpSpPr>
+      <p:grpSpPr>
+        <a:xfrm>
+          <a:off x="0" y="0"/>
+          <a:ext cx="0" cy="0"/>
+          <a:chOff x="0" y="0"/>
+          <a:chExt cx="0" cy="0"/>
+        </a:xfrm>
+      </p:grpSpPr>
+      <p:sp>
+        <p:nvSpPr>
+          <p:cNvPr id="2" name="Title 1">
+            <a:extLst>
+              <a:ext uri="{FF2B5EF4-FFF2-40B4-BE49-F238E27FC236}">
                 <a16:creationId xmlns:a16="http://schemas.microsoft.com/office/drawing/2014/main" id="{92A80848-79AC-A54D-AD33-71F635C20E73}"/>
               </a:ext>
             </a:extLst>
@@ -7546,35 +8863,6 @@
           </a:p>
         </p:txBody>
       </p:sp>
-      <p:pic>
-        <p:nvPicPr>
-          <p:cNvPr id="5" name="Content Placeholder 4" descr="A picture containing background pattern&#10;&#10;Description automatically generated">
-            <a:extLst>
-              <a:ext uri="{FF2B5EF4-FFF2-40B4-BE49-F238E27FC236}">
-                <a16:creationId xmlns:a16="http://schemas.microsoft.com/office/drawing/2014/main" id="{DB69DFC7-E549-4CD2-8CD2-C579CE5A1448}"/>
-              </a:ext>
-            </a:extLst>
-          </p:cNvPr>
-          <p:cNvPicPr>
-            <a:picLocks noGrp="1" noChangeAspect="1"/>
-          </p:cNvPicPr>
-          <p:nvPr>
-            <p:ph idx="1"/>
-          </p:nvPr>
-        </p:nvPicPr>
-        <p:blipFill>
-          <a:blip r:embed="rId2"/>
-          <a:stretch>
-            <a:fillRect/>
-          </a:stretch>
-        </p:blipFill>
-        <p:spPr>
-          <a:xfrm>
-            <a:off x="216682" y="2204693"/>
-            <a:ext cx="5487650" cy="3658433"/>
-          </a:xfrm>
-        </p:spPr>
-      </p:pic>
       <p:sp>
         <p:nvSpPr>
           <p:cNvPr id="6" name="TextBox 5">
@@ -7589,7 +8877,7 @@
         </p:nvSpPr>
         <p:spPr>
           <a:xfrm>
-            <a:off x="3713982" y="5845239"/>
+            <a:off x="9572676" y="2819638"/>
             <a:ext cx="2161038" cy="369332"/>
           </a:xfrm>
           <a:prstGeom prst="rect">
@@ -7606,6 +8894,504 @@
             <a:r>
               <a:rPr lang="en-US" dirty="0"/>
               <a:t>R-squared=.9875</a:t>
+            </a:r>
+          </a:p>
+        </p:txBody>
+      </p:sp>
+      <p:pic>
+        <p:nvPicPr>
+          <p:cNvPr id="10" name="Content Placeholder 9" descr="Chart, line chart&#10;&#10;Description automatically generated">
+            <a:extLst>
+              <a:ext uri="{FF2B5EF4-FFF2-40B4-BE49-F238E27FC236}">
+                <a16:creationId xmlns:a16="http://schemas.microsoft.com/office/drawing/2014/main" id="{37CB10CA-2893-4953-8C42-63733DA19E32}"/>
+              </a:ext>
+            </a:extLst>
+          </p:cNvPr>
+          <p:cNvPicPr>
+            <a:picLocks noGrp="1" noChangeAspect="1"/>
+          </p:cNvPicPr>
+          <p:nvPr>
+            <p:ph idx="1"/>
+          </p:nvPr>
+        </p:nvPicPr>
+        <p:blipFill rotWithShape="1">
+          <a:blip r:embed="rId2"/>
+          <a:srcRect l="7613" t="6073" r="9527"/>
+          <a:stretch/>
+        </p:blipFill>
+        <p:spPr>
+          <a:xfrm>
+            <a:off x="89851" y="1617028"/>
+            <a:ext cx="4990149" cy="2828310"/>
+          </a:xfrm>
+        </p:spPr>
+      </p:pic>
+      <p:pic>
+        <p:nvPicPr>
+          <p:cNvPr id="12" name="Picture 11" descr="Chart, scatter chart&#10;&#10;Description automatically generated">
+            <a:extLst>
+              <a:ext uri="{FF2B5EF4-FFF2-40B4-BE49-F238E27FC236}">
+                <a16:creationId xmlns:a16="http://schemas.microsoft.com/office/drawing/2014/main" id="{D1F56FA4-2C3B-4459-B7D5-39E1F5CE4541}"/>
+              </a:ext>
+            </a:extLst>
+          </p:cNvPr>
+          <p:cNvPicPr>
+            <a:picLocks noChangeAspect="1"/>
+          </p:cNvPicPr>
+          <p:nvPr/>
+        </p:nvPicPr>
+        <p:blipFill rotWithShape="1">
+          <a:blip r:embed="rId3"/>
+          <a:srcRect l="7906" t="6531" r="9370" b="3417"/>
+          <a:stretch/>
+        </p:blipFill>
+        <p:spPr>
+          <a:xfrm>
+            <a:off x="5637714" y="3188970"/>
+            <a:ext cx="6464436" cy="3518444"/>
+          </a:xfrm>
+          <a:prstGeom prst="rect">
+            <a:avLst/>
+          </a:prstGeom>
+          <a:ln w="38100">
+            <a:solidFill>
+              <a:schemeClr val="accent1"/>
+            </a:solidFill>
+          </a:ln>
+        </p:spPr>
+      </p:pic>
+      <p:sp>
+        <p:nvSpPr>
+          <p:cNvPr id="13" name="TextBox 12">
+            <a:extLst>
+              <a:ext uri="{FF2B5EF4-FFF2-40B4-BE49-F238E27FC236}">
+                <a16:creationId xmlns:a16="http://schemas.microsoft.com/office/drawing/2014/main" id="{9E86E361-7052-4E92-AF7D-935F11553727}"/>
+              </a:ext>
+            </a:extLst>
+          </p:cNvPr>
+          <p:cNvSpPr txBox="1"/>
+          <p:nvPr/>
+        </p:nvSpPr>
+        <p:spPr>
+          <a:xfrm>
+            <a:off x="6865315" y="2079364"/>
+            <a:ext cx="4009234" cy="523220"/>
+          </a:xfrm>
+          <a:prstGeom prst="rect">
+            <a:avLst/>
+          </a:prstGeom>
+          <a:noFill/>
+        </p:spPr>
+        <p:txBody>
+          <a:bodyPr wrap="square" rtlCol="0">
+            <a:spAutoFit/>
+          </a:bodyPr>
+          <a:lstStyle/>
+          <a:p>
+            <a:r>
+              <a:rPr lang="en-US" sz="2800" b="1" dirty="0"/>
+              <a:t>Y= X*</a:t>
+            </a:r>
+            <a:r>
+              <a:rPr lang="en-US" sz="2800" b="1" dirty="0">
+                <a:solidFill>
+                  <a:srgbClr val="FFFF00"/>
+                </a:solidFill>
+              </a:rPr>
+              <a:t>(-.07) </a:t>
+            </a:r>
+            <a:r>
+              <a:rPr lang="en-US" sz="2800" b="1" dirty="0"/>
+              <a:t>+ </a:t>
+            </a:r>
+            <a:r>
+              <a:rPr lang="en-US" sz="2800" b="1" dirty="0">
+                <a:solidFill>
+                  <a:srgbClr val="00B0F0"/>
+                </a:solidFill>
+              </a:rPr>
+              <a:t>154.14</a:t>
+            </a:r>
+          </a:p>
+        </p:txBody>
+      </p:sp>
+      <p:sp>
+        <p:nvSpPr>
+          <p:cNvPr id="15" name="Rectangle 1">
+            <a:extLst>
+              <a:ext uri="{FF2B5EF4-FFF2-40B4-BE49-F238E27FC236}">
+                <a16:creationId xmlns:a16="http://schemas.microsoft.com/office/drawing/2014/main" id="{C70918D3-92B6-4228-911F-05EF3235E577}"/>
+              </a:ext>
+            </a:extLst>
+          </p:cNvPr>
+          <p:cNvSpPr>
+            <a:spLocks noChangeArrowheads="1"/>
+          </p:cNvSpPr>
+          <p:nvPr/>
+        </p:nvSpPr>
+        <p:spPr bwMode="auto">
+          <a:xfrm>
+            <a:off x="-458286" y="7344229"/>
+            <a:ext cx="12192000" cy="457200"/>
+          </a:xfrm>
+          <a:prstGeom prst="rect">
+            <a:avLst/>
+          </a:prstGeom>
+          <a:solidFill>
+            <a:srgbClr val="FFFFFF"/>
+          </a:solidFill>
+          <a:ln>
+            <a:noFill/>
+          </a:ln>
+          <a:effectLst/>
+          <a:extLst>
+            <a:ext uri="{91240B29-F687-4F45-9708-019B960494DF}">
+              <a14:hiddenLine xmlns:a14="http://schemas.microsoft.com/office/drawing/2010/main" w="9525">
+                <a:solidFill>
+                  <a:schemeClr val="tx1"/>
+                </a:solidFill>
+                <a:miter lim="800000"/>
+                <a:headEnd/>
+                <a:tailEnd/>
+              </a14:hiddenLine>
+            </a:ext>
+            <a:ext uri="{AF507438-7753-43E0-B8FC-AC1667EBCBE1}">
+              <a14:hiddenEffects xmlns:a14="http://schemas.microsoft.com/office/drawing/2010/main">
+                <a:effectLst>
+                  <a:outerShdw dist="35921" dir="2700000" algn="ctr" rotWithShape="0">
+                    <a:schemeClr val="bg2"/>
+                  </a:outerShdw>
+                </a:effectLst>
+              </a14:hiddenEffects>
+            </a:ext>
+          </a:extLst>
+        </p:spPr>
+        <p:txBody>
+          <a:bodyPr vert="horz" wrap="none" lIns="0" tIns="0" rIns="0" bIns="0" numCol="1" anchor="ctr" anchorCtr="0" compatLnSpc="1">
+            <a:prstTxWarp prst="textNoShape">
+              <a:avLst/>
+            </a:prstTxWarp>
+            <a:spAutoFit/>
+          </a:bodyPr>
+          <a:lstStyle/>
+          <a:p>
+            <a:pPr marL="0" marR="0" lvl="0" indent="0" algn="l" defTabSz="914400" rtl="0" eaLnBrk="0" fontAlgn="base" latinLnBrk="0" hangingPunct="0">
+              <a:lnSpc>
+                <a:spcPct val="100000"/>
+              </a:lnSpc>
+              <a:spcBef>
+                <a:spcPct val="0"/>
+              </a:spcBef>
+              <a:spcAft>
+                <a:spcPct val="0"/>
+              </a:spcAft>
+              <a:buClrTx/>
+              <a:buSzTx/>
+              <a:buFontTx/>
+              <a:buNone/>
+              <a:tabLst/>
+            </a:pPr>
+            <a:r>
+              <a:rPr kumimoji="0" lang="en-US" altLang="en-US" sz="1000" b="0" i="0" u="none" strike="noStrike" cap="none" normalizeH="0" baseline="0">
+                <a:ln>
+                  <a:noFill/>
+                </a:ln>
+                <a:solidFill>
+                  <a:srgbClr val="000000"/>
+                </a:solidFill>
+                <a:effectLst/>
+                <a:latin typeface="Courier New" panose="02070309020205020404" pitchFamily="49" charset="0"/>
+              </a:rPr>
+              <a:t>The expected Deaths per Million Habitants in the World based on historical data is: 2020: 7.15 2021: 7.08 2022: 7.01</a:t>
+            </a:r>
+            <a:r>
+              <a:rPr kumimoji="0" lang="en-US" altLang="en-US" sz="800" b="0" i="0" u="none" strike="noStrike" cap="none" normalizeH="0" baseline="0">
+                <a:ln>
+                  <a:noFill/>
+                </a:ln>
+                <a:solidFill>
+                  <a:schemeClr val="tx1"/>
+                </a:solidFill>
+                <a:effectLst/>
+              </a:rPr>
+              <a:t> </a:t>
+            </a:r>
+            <a:endParaRPr kumimoji="0" lang="en-US" altLang="en-US" sz="1800" b="0" i="0" u="none" strike="noStrike" cap="none" normalizeH="0" baseline="0">
+              <a:ln>
+                <a:noFill/>
+              </a:ln>
+              <a:solidFill>
+                <a:schemeClr val="tx1"/>
+              </a:solidFill>
+              <a:effectLst/>
+              <a:latin typeface="Arial" panose="020B0604020202020204" pitchFamily="34" charset="0"/>
+            </a:endParaRPr>
+          </a:p>
+        </p:txBody>
+      </p:sp>
+      <p:sp>
+        <p:nvSpPr>
+          <p:cNvPr id="16" name="TextBox 15">
+            <a:extLst>
+              <a:ext uri="{FF2B5EF4-FFF2-40B4-BE49-F238E27FC236}">
+                <a16:creationId xmlns:a16="http://schemas.microsoft.com/office/drawing/2014/main" id="{EECA5C02-554D-4A7F-8775-0EF47ABB0268}"/>
+              </a:ext>
+            </a:extLst>
+          </p:cNvPr>
+          <p:cNvSpPr txBox="1"/>
+          <p:nvPr/>
+        </p:nvSpPr>
+        <p:spPr>
+          <a:xfrm>
+            <a:off x="1142682" y="4855669"/>
+            <a:ext cx="4216175" cy="1569660"/>
+          </a:xfrm>
+          <a:prstGeom prst="rect">
+            <a:avLst/>
+          </a:prstGeom>
+          <a:noFill/>
+        </p:spPr>
+        <p:txBody>
+          <a:bodyPr wrap="square" rtlCol="0">
+            <a:spAutoFit/>
+          </a:bodyPr>
+          <a:lstStyle/>
+          <a:p>
+            <a:r>
+              <a:rPr lang="en-US" sz="2400" b="1" dirty="0"/>
+              <a:t>Predictions:</a:t>
+            </a:r>
+          </a:p>
+          <a:p>
+            <a:pPr marL="285750" indent="-285750">
+              <a:buFont typeface="Arial" panose="020B0604020202020204" pitchFamily="34" charset="0"/>
+              <a:buChar char="•"/>
+            </a:pPr>
+            <a:r>
+              <a:rPr lang="en-US" sz="2400" dirty="0"/>
+              <a:t>	2020: </a:t>
+            </a:r>
+            <a:r>
+              <a:rPr lang="en-US" sz="2400" b="1" dirty="0"/>
+              <a:t>7.15 </a:t>
+            </a:r>
+            <a:r>
+              <a:rPr lang="en-US" sz="2400" b="1" dirty="0" err="1"/>
+              <a:t>DpM</a:t>
+            </a:r>
+            <a:endParaRPr lang="en-US" sz="2400" b="1" dirty="0"/>
+          </a:p>
+          <a:p>
+            <a:pPr marL="285750" indent="-285750">
+              <a:buFont typeface="Arial" panose="020B0604020202020204" pitchFamily="34" charset="0"/>
+              <a:buChar char="•"/>
+            </a:pPr>
+            <a:r>
+              <a:rPr lang="en-US" sz="2400" dirty="0"/>
+              <a:t>	2021: </a:t>
+            </a:r>
+            <a:r>
+              <a:rPr lang="en-US" sz="2400" b="1" dirty="0"/>
+              <a:t>7.08 </a:t>
+            </a:r>
+            <a:r>
+              <a:rPr lang="en-US" sz="2400" b="1" dirty="0" err="1"/>
+              <a:t>DpM</a:t>
+            </a:r>
+            <a:endParaRPr lang="en-US" sz="2400" b="1" dirty="0"/>
+          </a:p>
+          <a:p>
+            <a:pPr marL="285750" indent="-285750">
+              <a:buFont typeface="Arial" panose="020B0604020202020204" pitchFamily="34" charset="0"/>
+              <a:buChar char="•"/>
+            </a:pPr>
+            <a:r>
+              <a:rPr lang="en-US" sz="2400" dirty="0"/>
+              <a:t>	2022: </a:t>
+            </a:r>
+            <a:r>
+              <a:rPr lang="en-US" sz="2400" b="1" dirty="0"/>
+              <a:t>7.01 </a:t>
+            </a:r>
+            <a:r>
+              <a:rPr lang="en-US" sz="2400" b="1" dirty="0" err="1"/>
+              <a:t>DpM</a:t>
+            </a:r>
+            <a:endParaRPr lang="en-US" sz="2400" b="1" dirty="0"/>
+          </a:p>
+        </p:txBody>
+      </p:sp>
+      <p:sp>
+        <p:nvSpPr>
+          <p:cNvPr id="17" name="Rectangle 16">
+            <a:extLst>
+              <a:ext uri="{FF2B5EF4-FFF2-40B4-BE49-F238E27FC236}">
+                <a16:creationId xmlns:a16="http://schemas.microsoft.com/office/drawing/2014/main" id="{006820D8-08E0-462C-AD75-49921B93F797}"/>
+              </a:ext>
+            </a:extLst>
+          </p:cNvPr>
+          <p:cNvSpPr/>
+          <p:nvPr/>
+        </p:nvSpPr>
+        <p:spPr>
+          <a:xfrm>
+            <a:off x="1844040" y="3188970"/>
+            <a:ext cx="3108960" cy="1131570"/>
+          </a:xfrm>
+          <a:prstGeom prst="rect">
+            <a:avLst/>
+          </a:prstGeom>
+          <a:noFill/>
+        </p:spPr>
+        <p:style>
+          <a:lnRef idx="2">
+            <a:schemeClr val="accent1">
+              <a:shade val="50000"/>
+            </a:schemeClr>
+          </a:lnRef>
+          <a:fillRef idx="1">
+            <a:schemeClr val="accent1"/>
+          </a:fillRef>
+          <a:effectRef idx="0">
+            <a:schemeClr val="accent1"/>
+          </a:effectRef>
+          <a:fontRef idx="minor">
+            <a:schemeClr val="lt1"/>
+          </a:fontRef>
+        </p:style>
+        <p:txBody>
+          <a:bodyPr rtlCol="0" anchor="ctr"/>
+          <a:lstStyle/>
+          <a:p>
+            <a:pPr algn="ctr"/>
+            <a:endParaRPr lang="en-US"/>
+          </a:p>
+        </p:txBody>
+      </p:sp>
+      <p:cxnSp>
+        <p:nvCxnSpPr>
+          <p:cNvPr id="19" name="Straight Connector 18">
+            <a:extLst>
+              <a:ext uri="{FF2B5EF4-FFF2-40B4-BE49-F238E27FC236}">
+                <a16:creationId xmlns:a16="http://schemas.microsoft.com/office/drawing/2014/main" id="{D074258A-14C3-44FB-BC23-B12BBEE9AFBE}"/>
+              </a:ext>
+            </a:extLst>
+          </p:cNvPr>
+          <p:cNvCxnSpPr>
+            <a:cxnSpLocks/>
+          </p:cNvCxnSpPr>
+          <p:nvPr/>
+        </p:nvCxnSpPr>
+        <p:spPr>
+          <a:xfrm>
+            <a:off x="4953000" y="3188970"/>
+            <a:ext cx="684714" cy="0"/>
+          </a:xfrm>
+          <a:prstGeom prst="line">
+            <a:avLst/>
+          </a:prstGeom>
+          <a:ln w="38100"/>
+        </p:spPr>
+        <p:style>
+          <a:lnRef idx="1">
+            <a:schemeClr val="accent1"/>
+          </a:lnRef>
+          <a:fillRef idx="0">
+            <a:schemeClr val="accent1"/>
+          </a:fillRef>
+          <a:effectRef idx="0">
+            <a:schemeClr val="accent1"/>
+          </a:effectRef>
+          <a:fontRef idx="minor">
+            <a:schemeClr val="tx1"/>
+          </a:fontRef>
+        </p:style>
+      </p:cxnSp>
+      <p:cxnSp>
+        <p:nvCxnSpPr>
+          <p:cNvPr id="21" name="Straight Connector 20">
+            <a:extLst>
+              <a:ext uri="{FF2B5EF4-FFF2-40B4-BE49-F238E27FC236}">
+                <a16:creationId xmlns:a16="http://schemas.microsoft.com/office/drawing/2014/main" id="{12A8ADEE-E63E-4F46-80F5-2B1944E6D46C}"/>
+              </a:ext>
+            </a:extLst>
+          </p:cNvPr>
+          <p:cNvCxnSpPr>
+            <a:cxnSpLocks/>
+          </p:cNvCxnSpPr>
+          <p:nvPr/>
+        </p:nvCxnSpPr>
+        <p:spPr>
+          <a:xfrm>
+            <a:off x="4649118" y="4320540"/>
+            <a:ext cx="988596" cy="2386874"/>
+          </a:xfrm>
+          <a:prstGeom prst="line">
+            <a:avLst/>
+          </a:prstGeom>
+          <a:ln w="38100"/>
+        </p:spPr>
+        <p:style>
+          <a:lnRef idx="1">
+            <a:schemeClr val="accent1"/>
+          </a:lnRef>
+          <a:fillRef idx="0">
+            <a:schemeClr val="accent1"/>
+          </a:fillRef>
+          <a:effectRef idx="0">
+            <a:schemeClr val="accent1"/>
+          </a:effectRef>
+          <a:fontRef idx="minor">
+            <a:schemeClr val="tx1"/>
+          </a:fontRef>
+        </p:style>
+      </p:cxnSp>
+      <p:sp>
+        <p:nvSpPr>
+          <p:cNvPr id="25" name="Slide Number Placeholder 5">
+            <a:extLst>
+              <a:ext uri="{FF2B5EF4-FFF2-40B4-BE49-F238E27FC236}">
+                <a16:creationId xmlns:a16="http://schemas.microsoft.com/office/drawing/2014/main" id="{40BA7C2A-4BBB-459C-A0E6-FB37CA712348}"/>
+              </a:ext>
+            </a:extLst>
+          </p:cNvPr>
+          <p:cNvSpPr>
+            <a:spLocks noGrp="1"/>
+          </p:cNvSpPr>
+          <p:nvPr>
+            <p:ph type="sldNum" sz="quarter" idx="4"/>
+          </p:nvPr>
+        </p:nvSpPr>
+        <p:spPr bwMode="gray">
+          <a:xfrm>
+            <a:off x="10387709" y="96438"/>
+            <a:ext cx="838199" cy="767687"/>
+          </a:xfrm>
+          <a:prstGeom prst="rect">
+            <a:avLst/>
+          </a:prstGeom>
+        </p:spPr>
+        <p:txBody>
+          <a:bodyPr vert="horz" lIns="91440" tIns="45720" rIns="91440" bIns="45720" rtlCol="0" anchor="b"/>
+          <a:lstStyle>
+            <a:lvl1pPr algn="ctr">
+              <a:defRPr sz="3600" b="0" i="1">
+                <a:solidFill>
+                  <a:schemeClr val="tx1">
+                    <a:tint val="75000"/>
+                  </a:schemeClr>
+                </a:solidFill>
+              </a:defRPr>
+            </a:lvl1pPr>
+          </a:lstStyle>
+          <a:p>
+            <a:r>
+              <a:rPr lang="en-US" i="0" dirty="0"/>
+              <a:t>𝛴</a:t>
+            </a:r>
+            <a:r>
+              <a:rPr lang="en-US" dirty="0"/>
+              <a:t>:</a:t>
             </a:r>
           </a:p>
         </p:txBody>
@@ -7645,7 +9431,7 @@
           <p:cNvPr id="2" name="Title 1">
             <a:extLst>
               <a:ext uri="{FF2B5EF4-FFF2-40B4-BE49-F238E27FC236}">
-                <a16:creationId xmlns:a16="http://schemas.microsoft.com/office/drawing/2014/main" id="{E5621A8C-1BD8-4046-80B6-6F531422EBC0}"/>
+                <a16:creationId xmlns:a16="http://schemas.microsoft.com/office/drawing/2014/main" id="{70442C7E-1978-43A0-86A2-6056E49161C9}"/>
               </a:ext>
             </a:extLst>
           </p:cNvPr>
@@ -7656,289 +9442,158 @@
             <p:ph type="title"/>
           </p:nvPr>
         </p:nvSpPr>
-        <p:spPr>
-          <a:xfrm>
-            <a:off x="646111" y="363068"/>
-            <a:ext cx="9986030" cy="1400530"/>
-          </a:xfrm>
-        </p:spPr>
-        <p:txBody>
-          <a:bodyPr/>
+        <p:spPr/>
+        <p:txBody>
+          <a:bodyPr vert="horz" lIns="91440" tIns="45720" rIns="91440" bIns="45720" rtlCol="0" anchor="t">
+            <a:noAutofit/>
+          </a:bodyPr>
           <a:lstStyle/>
           <a:p>
             <a:r>
-              <a:rPr lang="es-ES" sz="3200" dirty="0" err="1"/>
-              <a:t>Myth</a:t>
-            </a:r>
-            <a:r>
-              <a:rPr lang="es-ES" sz="3200" dirty="0"/>
-              <a:t> 2-3. </a:t>
-            </a:r>
-            <a:r>
-              <a:rPr lang="es-ES" sz="3200" dirty="0" err="1"/>
-              <a:t>Biggest</a:t>
-            </a:r>
-            <a:r>
-              <a:rPr lang="es-ES" sz="3200" dirty="0"/>
-              <a:t> </a:t>
-            </a:r>
-            <a:r>
-              <a:rPr lang="es-ES" sz="3200" dirty="0" err="1"/>
-              <a:t>correlating</a:t>
-            </a:r>
-            <a:r>
-              <a:rPr lang="es-ES" sz="3200" dirty="0"/>
-              <a:t> variables </a:t>
-            </a:r>
-            <a:r>
-              <a:rPr lang="es-ES" sz="3200" dirty="0" err="1"/>
-              <a:t>on</a:t>
-            </a:r>
-            <a:r>
-              <a:rPr lang="es-ES" sz="3200" dirty="0"/>
-              <a:t> </a:t>
-            </a:r>
-            <a:r>
-              <a:rPr lang="es-ES" sz="3200" dirty="0" err="1"/>
-              <a:t>Covid</a:t>
-            </a:r>
-            <a:r>
-              <a:rPr lang="es-ES" sz="3200" dirty="0"/>
-              <a:t> </a:t>
-            </a:r>
-            <a:r>
-              <a:rPr lang="es-ES" sz="3200" dirty="0" err="1"/>
-              <a:t>deaths</a:t>
-            </a:r>
-            <a:r>
-              <a:rPr lang="es-ES" sz="3200" dirty="0"/>
-              <a:t> are </a:t>
-            </a:r>
-            <a:r>
-              <a:rPr lang="es-ES" sz="3200" dirty="0" err="1"/>
-              <a:t>Diabities</a:t>
-            </a:r>
-            <a:r>
-              <a:rPr lang="es-ES" sz="3200" dirty="0"/>
-              <a:t> and </a:t>
-            </a:r>
-            <a:r>
-              <a:rPr lang="es-ES" sz="3200" dirty="0" err="1"/>
-              <a:t>Heart</a:t>
-            </a:r>
-            <a:r>
-              <a:rPr lang="es-ES" sz="3200" dirty="0"/>
-              <a:t> Desease and </a:t>
-            </a:r>
-            <a:r>
-              <a:rPr lang="es-ES" sz="3200" dirty="0" err="1"/>
-              <a:t>negative</a:t>
-            </a:r>
-            <a:r>
-              <a:rPr lang="es-ES" sz="3200" dirty="0"/>
-              <a:t> </a:t>
-            </a:r>
-            <a:r>
-              <a:rPr lang="es-ES" sz="3200" dirty="0" err="1"/>
-              <a:t>correlation</a:t>
-            </a:r>
-            <a:r>
-              <a:rPr lang="es-ES" sz="3200" dirty="0"/>
-              <a:t> </a:t>
-            </a:r>
-            <a:r>
-              <a:rPr lang="es-ES" sz="3200" dirty="0" err="1"/>
-              <a:t>exist</a:t>
-            </a:r>
-            <a:r>
-              <a:rPr lang="es-ES" sz="3200" dirty="0"/>
-              <a:t> to GDP per </a:t>
-            </a:r>
-            <a:r>
-              <a:rPr lang="es-ES" sz="3200" dirty="0" err="1"/>
-              <a:t>capita</a:t>
-            </a:r>
-            <a:endParaRPr lang="en-MX" sz="3200" dirty="0"/>
-          </a:p>
-        </p:txBody>
-      </p:sp>
-      <p:sp>
-        <p:nvSpPr>
-          <p:cNvPr id="3" name="Content Placeholder 2">
+              <a:rPr lang="en-MX" sz="3200" b="1" dirty="0"/>
+              <a:t>3. Find correlation between nutrition as a proxy to hunger, GDP per capita and 	deaths per million</a:t>
+            </a:r>
+            <a:br>
+              <a:rPr lang="en-MX" sz="3200" b="1" dirty="0"/>
+            </a:br>
+            <a:endParaRPr lang="en-US" sz="3200" b="1" dirty="0"/>
+          </a:p>
+        </p:txBody>
+      </p:sp>
+      <p:pic>
+        <p:nvPicPr>
+          <p:cNvPr id="5" name="Picture 4" descr="Chart, scatter chart&#10;&#10;Description automatically generated">
             <a:extLst>
               <a:ext uri="{FF2B5EF4-FFF2-40B4-BE49-F238E27FC236}">
-                <a16:creationId xmlns:a16="http://schemas.microsoft.com/office/drawing/2014/main" id="{E73870B4-6B8E-7342-9023-9B6E4AB02B26}"/>
+                <a16:creationId xmlns:a16="http://schemas.microsoft.com/office/drawing/2014/main" id="{74D4CCB8-CF26-41AE-B220-98A06344098F}"/>
               </a:ext>
             </a:extLst>
           </p:cNvPr>
-          <p:cNvSpPr>
-            <a:spLocks noGrp="1"/>
-          </p:cNvSpPr>
-          <p:nvPr>
-            <p:ph idx="1"/>
-          </p:nvPr>
-        </p:nvSpPr>
+          <p:cNvPicPr>
+            <a:picLocks noChangeAspect="1"/>
+          </p:cNvPicPr>
+          <p:nvPr/>
+        </p:nvPicPr>
+        <p:blipFill>
+          <a:blip r:embed="rId2"/>
+          <a:stretch>
+            <a:fillRect/>
+          </a:stretch>
+        </p:blipFill>
         <p:spPr>
           <a:xfrm>
-            <a:off x="502025" y="2230831"/>
-            <a:ext cx="11043864" cy="4195481"/>
-          </a:xfrm>
-        </p:spPr>
-        <p:txBody>
-          <a:bodyPr>
-            <a:normAutofit/>
+            <a:off x="341024" y="2113998"/>
+            <a:ext cx="3531225" cy="2354150"/>
+          </a:xfrm>
+          <a:prstGeom prst="rect">
+            <a:avLst/>
+          </a:prstGeom>
+        </p:spPr>
+      </p:pic>
+      <p:pic>
+        <p:nvPicPr>
+          <p:cNvPr id="7" name="Picture 6" descr="Chart, scatter chart&#10;&#10;Description automatically generated">
+            <a:extLst>
+              <a:ext uri="{FF2B5EF4-FFF2-40B4-BE49-F238E27FC236}">
+                <a16:creationId xmlns:a16="http://schemas.microsoft.com/office/drawing/2014/main" id="{452E6022-8DC4-48F2-803D-0116A13AEC90}"/>
+              </a:ext>
+            </a:extLst>
+          </p:cNvPr>
+          <p:cNvPicPr>
+            <a:picLocks noChangeAspect="1"/>
+          </p:cNvPicPr>
+          <p:nvPr/>
+        </p:nvPicPr>
+        <p:blipFill>
+          <a:blip r:embed="rId3"/>
+          <a:stretch>
+            <a:fillRect/>
+          </a:stretch>
+        </p:blipFill>
+        <p:spPr>
+          <a:xfrm>
+            <a:off x="8285221" y="2113998"/>
+            <a:ext cx="3531226" cy="2354150"/>
+          </a:xfrm>
+          <a:prstGeom prst="rect">
+            <a:avLst/>
+          </a:prstGeom>
+        </p:spPr>
+      </p:pic>
+      <p:pic>
+        <p:nvPicPr>
+          <p:cNvPr id="9" name="Picture 8" descr="Chart, scatter chart&#10;&#10;Description automatically generated">
+            <a:extLst>
+              <a:ext uri="{FF2B5EF4-FFF2-40B4-BE49-F238E27FC236}">
+                <a16:creationId xmlns:a16="http://schemas.microsoft.com/office/drawing/2014/main" id="{8FA807D4-2CE3-4E9D-962E-1583E27BA331}"/>
+              </a:ext>
+            </a:extLst>
+          </p:cNvPr>
+          <p:cNvPicPr>
+            <a:picLocks noChangeAspect="1"/>
+          </p:cNvPicPr>
+          <p:nvPr/>
+        </p:nvPicPr>
+        <p:blipFill>
+          <a:blip r:embed="rId4"/>
+          <a:stretch>
+            <a:fillRect/>
+          </a:stretch>
+        </p:blipFill>
+        <p:spPr>
+          <a:xfrm>
+            <a:off x="4330387" y="2113998"/>
+            <a:ext cx="3531225" cy="2354150"/>
+          </a:xfrm>
+          <a:prstGeom prst="rect">
+            <a:avLst/>
+          </a:prstGeom>
+        </p:spPr>
+      </p:pic>
+      <p:sp>
+        <p:nvSpPr>
+          <p:cNvPr id="10" name="TextBox 9">
+            <a:extLst>
+              <a:ext uri="{FF2B5EF4-FFF2-40B4-BE49-F238E27FC236}">
+                <a16:creationId xmlns:a16="http://schemas.microsoft.com/office/drawing/2014/main" id="{7A9B7849-1D31-4126-95D4-02BAEE855EFB}"/>
+              </a:ext>
+            </a:extLst>
+          </p:cNvPr>
+          <p:cNvSpPr txBox="1"/>
+          <p:nvPr/>
+        </p:nvSpPr>
+        <p:spPr>
+          <a:xfrm>
+            <a:off x="520700" y="4838700"/>
+            <a:ext cx="10972800" cy="646331"/>
+          </a:xfrm>
+          <a:prstGeom prst="rect">
+            <a:avLst/>
+          </a:prstGeom>
+          <a:noFill/>
+        </p:spPr>
+        <p:txBody>
+          <a:bodyPr wrap="square" rtlCol="0">
+            <a:spAutoFit/>
           </a:bodyPr>
           <a:lstStyle/>
           <a:p>
-            <a:pPr marL="0" indent="0">
-              <a:buNone/>
-            </a:pPr>
-            <a:r>
-              <a:rPr lang="en-MX" sz="2400" dirty="0"/>
-              <a:t>Main Hypothesis: Countries income will impact in hability to have lower COVID deaths and pleaces with higher Diabeties and H</a:t>
-            </a:r>
-            <a:r>
-              <a:rPr lang="en-US" sz="2400" dirty="0"/>
-              <a:t>e</a:t>
-            </a:r>
-            <a:r>
-              <a:rPr lang="en-MX" sz="2400" dirty="0"/>
-              <a:t>art deases rates will have a higher  Covid death rate</a:t>
-            </a:r>
-          </a:p>
-          <a:p>
-            <a:pPr marL="0" indent="0">
-              <a:buNone/>
-            </a:pPr>
-            <a:endParaRPr lang="en-MX" sz="2400" dirty="0"/>
-          </a:p>
-          <a:p>
-            <a:pPr marL="0" indent="0">
-              <a:buNone/>
-            </a:pPr>
-            <a:r>
-              <a:rPr lang="en-MX" sz="2400" dirty="0"/>
-              <a:t>Process:</a:t>
-            </a:r>
-          </a:p>
-          <a:p>
-            <a:pPr marL="0" indent="0">
-              <a:buNone/>
-            </a:pPr>
-            <a:r>
-              <a:rPr lang="en-MX" sz="2400" dirty="0"/>
-              <a:t>	</a:t>
-            </a:r>
-            <a:r>
-              <a:rPr lang="en-MX" sz="2400" b="1" dirty="0"/>
-              <a:t>1.</a:t>
-            </a:r>
-            <a:r>
-              <a:rPr lang="en-MX" sz="2400" dirty="0"/>
-              <a:t> Get data sources</a:t>
-            </a:r>
-          </a:p>
-          <a:p>
-            <a:pPr marL="0" indent="0">
-              <a:buNone/>
-            </a:pPr>
-            <a:r>
-              <a:rPr lang="en-MX" sz="2400" dirty="0"/>
-              <a:t>	</a:t>
-            </a:r>
-            <a:r>
-              <a:rPr lang="en-MX" sz="2400" b="1" dirty="0"/>
-              <a:t>2.</a:t>
-            </a:r>
-            <a:r>
-              <a:rPr lang="en-MX" sz="2400" dirty="0"/>
-              <a:t> Find availiabie variables to find correlations</a:t>
-            </a:r>
-          </a:p>
-          <a:p>
-            <a:pPr marL="0" indent="0">
-              <a:buNone/>
-            </a:pPr>
-            <a:r>
-              <a:rPr lang="en-MX" sz="2400" dirty="0"/>
-              <a:t>	</a:t>
-            </a:r>
-            <a:r>
-              <a:rPr lang="en-MX" sz="2400" b="1" dirty="0"/>
-              <a:t>3.</a:t>
-            </a:r>
-            <a:r>
-              <a:rPr lang="en-MX" sz="2400" dirty="0"/>
-              <a:t> Peforme multivariable analysis to reject not correlatig variables </a:t>
-            </a:r>
-          </a:p>
-          <a:p>
-            <a:pPr marL="0" indent="0">
-              <a:buNone/>
-            </a:pPr>
-            <a:r>
-              <a:rPr lang="en-MX" sz="2400" dirty="0"/>
-              <a:t>	</a:t>
-            </a:r>
-            <a:r>
-              <a:rPr lang="en-MX" sz="2400" b="1" dirty="0"/>
-              <a:t>4. </a:t>
-            </a:r>
-            <a:r>
-              <a:rPr lang="en-MX" sz="2400" dirty="0"/>
-              <a:t>Arrive to conclusions</a:t>
-            </a:r>
-          </a:p>
-          <a:p>
-            <a:pPr marL="0" indent="0">
-              <a:buNone/>
-            </a:pPr>
-            <a:endParaRPr lang="en-MX" sz="2400" dirty="0"/>
-          </a:p>
-          <a:p>
-            <a:pPr marL="0" indent="0">
-              <a:buNone/>
-            </a:pPr>
-            <a:endParaRPr lang="en-MX" sz="2400" dirty="0"/>
-          </a:p>
-          <a:p>
-            <a:pPr marL="0" indent="0">
-              <a:buNone/>
-            </a:pPr>
-            <a:endParaRPr lang="en-MX" sz="2400" dirty="0"/>
-          </a:p>
-          <a:p>
-            <a:pPr marL="0" indent="0">
-              <a:buNone/>
-            </a:pPr>
-            <a:endParaRPr lang="en-MX" sz="2400" dirty="0"/>
-          </a:p>
-          <a:p>
-            <a:pPr marL="0" indent="0">
-              <a:buNone/>
-            </a:pPr>
-            <a:endParaRPr lang="en-MX" sz="2400" dirty="0"/>
-          </a:p>
-          <a:p>
-            <a:pPr marL="0" indent="0">
-              <a:buNone/>
-            </a:pPr>
-            <a:endParaRPr lang="en-MX" sz="2400" dirty="0"/>
-          </a:p>
-          <a:p>
-            <a:pPr marL="0" indent="0">
-              <a:buNone/>
-            </a:pPr>
-            <a:endParaRPr lang="en-MX" sz="2400" dirty="0"/>
-          </a:p>
-        </p:txBody>
-      </p:sp>
-      <p:sp>
-        <p:nvSpPr>
-          <p:cNvPr id="4" name="Slide Number Placeholder 5">
+            <a:r>
+              <a:rPr lang="en-US" dirty="0"/>
+              <a:t>Analysis:</a:t>
+            </a:r>
+          </a:p>
+          <a:p>
+            <a:endParaRPr lang="en-US" dirty="0"/>
+          </a:p>
+        </p:txBody>
+      </p:sp>
+      <p:sp>
+        <p:nvSpPr>
+          <p:cNvPr id="11" name="Slide Number Placeholder 5">
             <a:extLst>
               <a:ext uri="{FF2B5EF4-FFF2-40B4-BE49-F238E27FC236}">
-                <a16:creationId xmlns:a16="http://schemas.microsoft.com/office/drawing/2014/main" id="{12A46A79-551E-574D-B650-034048FC3851}"/>
+                <a16:creationId xmlns:a16="http://schemas.microsoft.com/office/drawing/2014/main" id="{F63007AC-A28B-437E-8A1A-98F6039B0969}"/>
               </a:ext>
             </a:extLst>
           </p:cNvPr>
@@ -7986,7 +9641,7 @@
     </p:spTree>
     <p:extLst>
       <p:ext uri="{BB962C8B-B14F-4D97-AF65-F5344CB8AC3E}">
-        <p14:creationId xmlns:p14="http://schemas.microsoft.com/office/powerpoint/2010/main" val="3790741576"/>
+        <p14:creationId xmlns:p14="http://schemas.microsoft.com/office/powerpoint/2010/main" val="82224199"/>
       </p:ext>
     </p:extLst>
   </p:cSld>
@@ -8018,7 +9673,7 @@
           <p:cNvPr id="2" name="Title 1">
             <a:extLst>
               <a:ext uri="{FF2B5EF4-FFF2-40B4-BE49-F238E27FC236}">
-                <a16:creationId xmlns:a16="http://schemas.microsoft.com/office/drawing/2014/main" id="{E5621A8C-1BD8-4046-80B6-6F531422EBC0}"/>
+                <a16:creationId xmlns:a16="http://schemas.microsoft.com/office/drawing/2014/main" id="{70442C7E-1978-43A0-86A2-6056E49161C9}"/>
               </a:ext>
             </a:extLst>
           </p:cNvPr>
@@ -8029,398 +9684,294 @@
             <p:ph type="title"/>
           </p:nvPr>
         </p:nvSpPr>
-        <p:spPr>
-          <a:xfrm>
-            <a:off x="646111" y="363068"/>
-            <a:ext cx="9986030" cy="1400530"/>
-          </a:xfrm>
-        </p:spPr>
-        <p:txBody>
-          <a:bodyPr/>
+        <p:spPr/>
+        <p:txBody>
+          <a:bodyPr vert="horz" lIns="91440" tIns="45720" rIns="91440" bIns="45720" rtlCol="0" anchor="t">
+            <a:noAutofit/>
+          </a:bodyPr>
           <a:lstStyle/>
           <a:p>
             <a:r>
-              <a:rPr lang="es-ES" sz="3200" dirty="0" err="1"/>
-              <a:t>Myth</a:t>
-            </a:r>
-            <a:r>
-              <a:rPr lang="es-ES" sz="3200" dirty="0"/>
-              <a:t> 4. </a:t>
-            </a:r>
-            <a:r>
-              <a:rPr lang="es-ES" sz="3200" dirty="0" err="1"/>
-              <a:t>Cities</a:t>
-            </a:r>
-            <a:r>
-              <a:rPr lang="es-ES" sz="3200" dirty="0"/>
-              <a:t> </a:t>
-            </a:r>
-            <a:r>
-              <a:rPr lang="es-ES" sz="3200" dirty="0" err="1"/>
-              <a:t>with</a:t>
-            </a:r>
-            <a:r>
-              <a:rPr lang="es-ES" sz="3200" dirty="0"/>
-              <a:t> </a:t>
-            </a:r>
-            <a:r>
-              <a:rPr lang="es-ES" sz="3200" dirty="0" err="1"/>
-              <a:t>higher</a:t>
-            </a:r>
-            <a:r>
-              <a:rPr lang="es-ES" sz="3200" dirty="0"/>
-              <a:t> </a:t>
-            </a:r>
-            <a:r>
-              <a:rPr lang="es-ES" sz="3200" dirty="0" err="1"/>
-              <a:t>tempeture</a:t>
-            </a:r>
-            <a:r>
-              <a:rPr lang="es-ES" sz="3200" dirty="0"/>
-              <a:t> </a:t>
-            </a:r>
-            <a:r>
-              <a:rPr lang="es-ES" sz="3200" dirty="0" err="1"/>
-              <a:t>will</a:t>
-            </a:r>
-            <a:r>
-              <a:rPr lang="es-ES" sz="3200" dirty="0"/>
-              <a:t> </a:t>
-            </a:r>
-            <a:r>
-              <a:rPr lang="es-ES" sz="3200" dirty="0" err="1"/>
-              <a:t>have</a:t>
-            </a:r>
-            <a:r>
-              <a:rPr lang="es-ES" sz="3200" dirty="0"/>
-              <a:t> </a:t>
-            </a:r>
-            <a:r>
-              <a:rPr lang="es-ES" sz="3200" dirty="0" err="1"/>
-              <a:t>lower</a:t>
-            </a:r>
-            <a:r>
-              <a:rPr lang="es-ES" sz="3200" dirty="0"/>
-              <a:t> </a:t>
-            </a:r>
-            <a:r>
-              <a:rPr lang="es-ES" sz="3200" dirty="0" err="1"/>
-              <a:t>Covid</a:t>
-            </a:r>
-            <a:r>
-              <a:rPr lang="es-ES" sz="3200" dirty="0"/>
-              <a:t> </a:t>
-            </a:r>
-            <a:r>
-              <a:rPr lang="es-ES" sz="3200" dirty="0" err="1"/>
-              <a:t>death</a:t>
-            </a:r>
-            <a:r>
-              <a:rPr lang="es-ES" sz="3200" dirty="0"/>
-              <a:t> </a:t>
-            </a:r>
-            <a:r>
-              <a:rPr lang="es-ES" sz="3200" dirty="0" err="1"/>
-              <a:t>rates</a:t>
-            </a:r>
-            <a:endParaRPr lang="en-MX" sz="3200" dirty="0"/>
-          </a:p>
-        </p:txBody>
-      </p:sp>
-      <p:sp>
-        <p:nvSpPr>
-          <p:cNvPr id="3" name="Content Placeholder 2">
+              <a:rPr lang="en-MX" sz="3200" b="1" dirty="0"/>
+              <a:t>4.</a:t>
+            </a:r>
+            <a:r>
+              <a:rPr lang="en-MX" sz="3200" dirty="0"/>
+              <a:t> Project expected incremntal deaths based on lower tha</a:t>
+            </a:r>
+            <a:r>
+              <a:rPr lang="es-MX" sz="3200" dirty="0"/>
+              <a:t>n</a:t>
+            </a:r>
+            <a:r>
+              <a:rPr lang="en-MX" sz="3200" dirty="0"/>
+              <a:t> expected GDP per 	capita </a:t>
+            </a:r>
+            <a:br>
+              <a:rPr lang="en-MX" sz="3200" dirty="0"/>
+            </a:br>
+            <a:br>
+              <a:rPr lang="en-MX" sz="3200" b="1" dirty="0"/>
+            </a:br>
+            <a:endParaRPr lang="en-US" sz="3200" b="1" dirty="0"/>
+          </a:p>
+        </p:txBody>
+      </p:sp>
+      <p:sp>
+        <p:nvSpPr>
+          <p:cNvPr id="10" name="TextBox 9">
             <a:extLst>
               <a:ext uri="{FF2B5EF4-FFF2-40B4-BE49-F238E27FC236}">
-                <a16:creationId xmlns:a16="http://schemas.microsoft.com/office/drawing/2014/main" id="{E73870B4-6B8E-7342-9023-9B6E4AB02B26}"/>
+                <a16:creationId xmlns:a16="http://schemas.microsoft.com/office/drawing/2014/main" id="{7A9B7849-1D31-4126-95D4-02BAEE855EFB}"/>
               </a:ext>
             </a:extLst>
           </p:cNvPr>
-          <p:cNvSpPr>
-            <a:spLocks noGrp="1"/>
-          </p:cNvSpPr>
-          <p:nvPr>
-            <p:ph idx="1"/>
-          </p:nvPr>
+          <p:cNvSpPr txBox="1"/>
+          <p:nvPr/>
         </p:nvSpPr>
         <p:spPr>
           <a:xfrm>
-            <a:off x="502025" y="2230831"/>
-            <a:ext cx="11043864" cy="4195481"/>
-          </a:xfrm>
-        </p:spPr>
-        <p:txBody>
-          <a:bodyPr>
-            <a:normAutofit/>
+            <a:off x="520700" y="4838700"/>
+            <a:ext cx="10972800" cy="646331"/>
+          </a:xfrm>
+          <a:prstGeom prst="rect">
+            <a:avLst/>
+          </a:prstGeom>
+          <a:noFill/>
+        </p:spPr>
+        <p:txBody>
+          <a:bodyPr wrap="square" rtlCol="0">
+            <a:spAutoFit/>
           </a:bodyPr>
           <a:lstStyle/>
           <a:p>
-            <a:pPr marL="0" indent="0">
-              <a:buNone/>
-            </a:pPr>
-            <a:r>
-              <a:rPr lang="en-MX" sz="2400" dirty="0"/>
-              <a:t>Main Hypothesis: </a:t>
-            </a:r>
-            <a:r>
-              <a:rPr lang="es-ES" sz="2400" dirty="0"/>
-              <a:t>In places </a:t>
-            </a:r>
-            <a:r>
-              <a:rPr lang="es-ES" sz="2400" dirty="0" err="1"/>
-              <a:t>with</a:t>
-            </a:r>
-            <a:r>
-              <a:rPr lang="es-ES" sz="2400" dirty="0"/>
-              <a:t> </a:t>
-            </a:r>
-            <a:r>
-              <a:rPr lang="es-ES" sz="2400" dirty="0" err="1"/>
-              <a:t>higher</a:t>
-            </a:r>
-            <a:r>
-              <a:rPr lang="es-ES" sz="2400" dirty="0"/>
-              <a:t> </a:t>
-            </a:r>
-            <a:r>
-              <a:rPr lang="es-ES" sz="2400" dirty="0" err="1"/>
-              <a:t>tempatures</a:t>
-            </a:r>
-            <a:r>
-              <a:rPr lang="es-ES" sz="2400" dirty="0"/>
-              <a:t> </a:t>
-            </a:r>
-            <a:r>
-              <a:rPr lang="es-ES" sz="2400" dirty="0" err="1"/>
-              <a:t>contagion</a:t>
-            </a:r>
-            <a:r>
-              <a:rPr lang="es-ES" sz="2400" dirty="0"/>
-              <a:t> and </a:t>
-            </a:r>
-            <a:r>
-              <a:rPr lang="es-ES" sz="2400" dirty="0" err="1"/>
-              <a:t>thus</a:t>
-            </a:r>
-            <a:r>
-              <a:rPr lang="es-ES" sz="2400" dirty="0"/>
-              <a:t> </a:t>
-            </a:r>
-            <a:r>
-              <a:rPr lang="es-ES" sz="2400" dirty="0" err="1"/>
-              <a:t>deast</a:t>
-            </a:r>
-            <a:r>
-              <a:rPr lang="es-ES" sz="2400" dirty="0"/>
-              <a:t> </a:t>
-            </a:r>
-            <a:r>
-              <a:rPr lang="es-ES" sz="2400" dirty="0" err="1"/>
-              <a:t>rate</a:t>
-            </a:r>
-            <a:r>
-              <a:rPr lang="es-ES" sz="2400" dirty="0"/>
-              <a:t> </a:t>
-            </a:r>
-            <a:r>
-              <a:rPr lang="es-ES" sz="2400" dirty="0" err="1"/>
-              <a:t>is</a:t>
-            </a:r>
-            <a:r>
-              <a:rPr lang="es-ES" sz="2400" dirty="0"/>
-              <a:t> </a:t>
-            </a:r>
-            <a:r>
-              <a:rPr lang="es-ES" sz="2400" dirty="0" err="1"/>
-              <a:t>expected</a:t>
-            </a:r>
-            <a:r>
-              <a:rPr lang="es-ES" sz="2400" dirty="0"/>
-              <a:t> to be </a:t>
-            </a:r>
-            <a:r>
-              <a:rPr lang="es-ES" sz="2400" dirty="0" err="1"/>
-              <a:t>lower</a:t>
-            </a:r>
-            <a:r>
-              <a:rPr lang="es-ES" sz="2400" dirty="0"/>
-              <a:t> </a:t>
-            </a:r>
-            <a:r>
-              <a:rPr lang="es-ES" sz="2400" dirty="0" err="1"/>
-              <a:t>than</a:t>
-            </a:r>
-            <a:r>
-              <a:rPr lang="es-ES" sz="2400" dirty="0"/>
-              <a:t> places </a:t>
-            </a:r>
-            <a:r>
-              <a:rPr lang="es-ES" sz="2400" dirty="0" err="1"/>
-              <a:t>with</a:t>
-            </a:r>
-            <a:r>
-              <a:rPr lang="es-ES" sz="2400" dirty="0"/>
-              <a:t> </a:t>
-            </a:r>
-            <a:r>
-              <a:rPr lang="es-ES" sz="2400" dirty="0" err="1"/>
-              <a:t>lower</a:t>
-            </a:r>
-            <a:r>
-              <a:rPr lang="es-ES" sz="2400" dirty="0"/>
-              <a:t> </a:t>
-            </a:r>
-            <a:r>
-              <a:rPr lang="es-ES" sz="2400" dirty="0" err="1"/>
-              <a:t>average</a:t>
-            </a:r>
-            <a:r>
-              <a:rPr lang="es-ES" sz="2400" dirty="0"/>
-              <a:t> </a:t>
-            </a:r>
-            <a:r>
-              <a:rPr lang="es-ES" sz="2400" dirty="0" err="1"/>
-              <a:t>tempature</a:t>
-            </a:r>
-            <a:r>
-              <a:rPr lang="es-ES" sz="2400" dirty="0"/>
-              <a:t>. </a:t>
-            </a:r>
-            <a:endParaRPr lang="en-MX" sz="2400" dirty="0"/>
-          </a:p>
-          <a:p>
-            <a:pPr marL="0" indent="0">
-              <a:buNone/>
-            </a:pPr>
-            <a:endParaRPr lang="en-MX" sz="2400" dirty="0"/>
-          </a:p>
-          <a:p>
-            <a:pPr marL="0" indent="0">
-              <a:buNone/>
-            </a:pPr>
-            <a:r>
-              <a:rPr lang="en-MX" sz="2400" dirty="0"/>
-              <a:t>Process:</a:t>
-            </a:r>
-          </a:p>
-          <a:p>
-            <a:pPr marL="0" indent="0">
-              <a:buNone/>
-            </a:pPr>
-            <a:r>
-              <a:rPr lang="en-MX" sz="2400" dirty="0"/>
-              <a:t>	</a:t>
-            </a:r>
-            <a:r>
-              <a:rPr lang="en-MX" sz="2400" b="1" dirty="0"/>
-              <a:t>1.</a:t>
-            </a:r>
-            <a:r>
-              <a:rPr lang="en-MX" sz="2400" dirty="0"/>
-              <a:t> Get data sources</a:t>
-            </a:r>
-          </a:p>
-          <a:p>
-            <a:pPr marL="0" indent="0">
-              <a:buNone/>
-            </a:pPr>
-            <a:r>
-              <a:rPr lang="en-MX" sz="2400" dirty="0"/>
-              <a:t>	</a:t>
-            </a:r>
-            <a:r>
-              <a:rPr lang="en-MX" sz="2400" b="1" dirty="0"/>
-              <a:t>2.</a:t>
-            </a:r>
-            <a:r>
-              <a:rPr lang="en-MX" sz="2400" dirty="0"/>
-              <a:t> Find availiabie variables to find correlations</a:t>
-            </a:r>
-          </a:p>
-          <a:p>
-            <a:pPr marL="0" indent="0">
-              <a:buNone/>
-            </a:pPr>
-            <a:r>
-              <a:rPr lang="en-MX" sz="2400" dirty="0"/>
-              <a:t>	</a:t>
-            </a:r>
-            <a:r>
-              <a:rPr lang="en-MX" sz="2400" b="1" dirty="0"/>
-              <a:t>3.</a:t>
-            </a:r>
-            <a:r>
-              <a:rPr lang="en-MX" sz="2400" dirty="0"/>
-              <a:t> Peforme multivariable analysis to reject not correlatig variables </a:t>
-            </a:r>
-          </a:p>
-          <a:p>
-            <a:pPr marL="0" indent="0">
-              <a:buNone/>
-            </a:pPr>
-            <a:r>
-              <a:rPr lang="en-MX" sz="2400" dirty="0"/>
-              <a:t>	</a:t>
-            </a:r>
-            <a:r>
-              <a:rPr lang="en-MX" sz="2400" b="1" dirty="0"/>
-              <a:t>4. </a:t>
-            </a:r>
-            <a:r>
-              <a:rPr lang="en-MX" sz="2400" dirty="0"/>
-              <a:t>Arrive to conclusions</a:t>
-            </a:r>
-          </a:p>
-          <a:p>
-            <a:pPr marL="0" indent="0">
-              <a:buNone/>
-            </a:pPr>
-            <a:endParaRPr lang="en-MX" sz="2400" dirty="0"/>
-          </a:p>
-          <a:p>
-            <a:pPr marL="0" indent="0">
-              <a:buNone/>
-            </a:pPr>
-            <a:endParaRPr lang="en-MX" sz="2400" dirty="0"/>
-          </a:p>
-          <a:p>
-            <a:pPr marL="0" indent="0">
-              <a:buNone/>
-            </a:pPr>
-            <a:endParaRPr lang="en-MX" sz="2400" dirty="0"/>
-          </a:p>
-          <a:p>
-            <a:pPr marL="0" indent="0">
-              <a:buNone/>
-            </a:pPr>
-            <a:endParaRPr lang="en-MX" sz="2400" dirty="0"/>
-          </a:p>
-          <a:p>
-            <a:pPr marL="0" indent="0">
-              <a:buNone/>
-            </a:pPr>
-            <a:endParaRPr lang="en-MX" sz="2400" dirty="0"/>
-          </a:p>
-          <a:p>
-            <a:pPr marL="0" indent="0">
-              <a:buNone/>
-            </a:pPr>
-            <a:endParaRPr lang="en-MX" sz="2400" dirty="0"/>
-          </a:p>
-          <a:p>
-            <a:pPr marL="0" indent="0">
-              <a:buNone/>
-            </a:pPr>
-            <a:endParaRPr lang="en-MX" sz="2400" dirty="0"/>
-          </a:p>
-        </p:txBody>
-      </p:sp>
-      <p:sp>
-        <p:nvSpPr>
-          <p:cNvPr id="4" name="Slide Number Placeholder 5">
+            <a:r>
+              <a:rPr lang="en-US" dirty="0"/>
+              <a:t>Analysis:</a:t>
+            </a:r>
+          </a:p>
+          <a:p>
+            <a:endParaRPr lang="en-US" dirty="0"/>
+          </a:p>
+        </p:txBody>
+      </p:sp>
+      <p:pic>
+        <p:nvPicPr>
+          <p:cNvPr id="4" name="Picture 3" descr="Chart, scatter chart&#10;&#10;Description automatically generated">
             <a:extLst>
               <a:ext uri="{FF2B5EF4-FFF2-40B4-BE49-F238E27FC236}">
-                <a16:creationId xmlns:a16="http://schemas.microsoft.com/office/drawing/2014/main" id="{12A46A79-551E-574D-B650-034048FC3851}"/>
+                <a16:creationId xmlns:a16="http://schemas.microsoft.com/office/drawing/2014/main" id="{8B57B232-D25C-47B7-B646-036DDA81E1CA}"/>
+              </a:ext>
+            </a:extLst>
+          </p:cNvPr>
+          <p:cNvPicPr>
+            <a:picLocks noChangeAspect="1"/>
+          </p:cNvPicPr>
+          <p:nvPr/>
+        </p:nvPicPr>
+        <p:blipFill rotWithShape="1">
+          <a:blip r:embed="rId2"/>
+          <a:srcRect l="8742" t="6556" r="9602"/>
+          <a:stretch/>
+        </p:blipFill>
+        <p:spPr>
+          <a:xfrm>
+            <a:off x="85419" y="1987160"/>
+            <a:ext cx="6431280" cy="4339573"/>
+          </a:xfrm>
+          <a:prstGeom prst="rect">
+            <a:avLst/>
+          </a:prstGeom>
+        </p:spPr>
+      </p:pic>
+      <p:sp>
+        <p:nvSpPr>
+          <p:cNvPr id="11" name="TextBox 10">
+            <a:extLst>
+              <a:ext uri="{FF2B5EF4-FFF2-40B4-BE49-F238E27FC236}">
+                <a16:creationId xmlns:a16="http://schemas.microsoft.com/office/drawing/2014/main" id="{D3BDDC64-0B35-4A6B-8A6F-B8D272A0E9A2}"/>
+              </a:ext>
+            </a:extLst>
+          </p:cNvPr>
+          <p:cNvSpPr txBox="1"/>
+          <p:nvPr/>
+        </p:nvSpPr>
+        <p:spPr>
+          <a:xfrm>
+            <a:off x="6986019" y="2821956"/>
+            <a:ext cx="2161038" cy="369332"/>
+          </a:xfrm>
+          <a:prstGeom prst="rect">
+            <a:avLst/>
+          </a:prstGeom>
+          <a:noFill/>
+        </p:spPr>
+        <p:txBody>
+          <a:bodyPr wrap="square" rtlCol="0">
+            <a:spAutoFit/>
+          </a:bodyPr>
+          <a:lstStyle/>
+          <a:p>
+            <a:r>
+              <a:rPr lang="en-US" dirty="0"/>
+              <a:t>R-squared=.9674</a:t>
+            </a:r>
+          </a:p>
+        </p:txBody>
+      </p:sp>
+      <p:sp>
+        <p:nvSpPr>
+          <p:cNvPr id="12" name="TextBox 11">
+            <a:extLst>
+              <a:ext uri="{FF2B5EF4-FFF2-40B4-BE49-F238E27FC236}">
+                <a16:creationId xmlns:a16="http://schemas.microsoft.com/office/drawing/2014/main" id="{E565EEF8-59A8-4C19-89BF-E90A4B6648F1}"/>
+              </a:ext>
+            </a:extLst>
+          </p:cNvPr>
+          <p:cNvSpPr txBox="1"/>
+          <p:nvPr/>
+        </p:nvSpPr>
+        <p:spPr>
+          <a:xfrm>
+            <a:off x="6869836" y="2241626"/>
+            <a:ext cx="4537303" cy="523220"/>
+          </a:xfrm>
+          <a:prstGeom prst="rect">
+            <a:avLst/>
+          </a:prstGeom>
+          <a:noFill/>
+        </p:spPr>
+        <p:txBody>
+          <a:bodyPr wrap="square" rtlCol="0">
+            <a:spAutoFit/>
+          </a:bodyPr>
+          <a:lstStyle/>
+          <a:p>
+            <a:r>
+              <a:rPr lang="en-US" sz="2800" b="1" dirty="0"/>
+              <a:t>Y= X*</a:t>
+            </a:r>
+            <a:r>
+              <a:rPr lang="en-US" sz="2800" b="1" dirty="0">
+                <a:solidFill>
+                  <a:srgbClr val="FFFF00"/>
+                </a:solidFill>
+              </a:rPr>
+              <a:t>(-1.5e-5) </a:t>
+            </a:r>
+            <a:r>
+              <a:rPr lang="en-US" sz="2800" b="1" dirty="0"/>
+              <a:t>+ </a:t>
+            </a:r>
+            <a:r>
+              <a:rPr lang="en-US" sz="2800" b="1" dirty="0">
+                <a:solidFill>
+                  <a:srgbClr val="00B0F0"/>
+                </a:solidFill>
+              </a:rPr>
+              <a:t>9.303</a:t>
+            </a:r>
+          </a:p>
+        </p:txBody>
+      </p:sp>
+      <p:sp>
+        <p:nvSpPr>
+          <p:cNvPr id="13" name="TextBox 12">
+            <a:extLst>
+              <a:ext uri="{FF2B5EF4-FFF2-40B4-BE49-F238E27FC236}">
+                <a16:creationId xmlns:a16="http://schemas.microsoft.com/office/drawing/2014/main" id="{D709A078-F1AA-498F-975E-590DF42F1D4B}"/>
+              </a:ext>
+            </a:extLst>
+          </p:cNvPr>
+          <p:cNvSpPr txBox="1"/>
+          <p:nvPr/>
+        </p:nvSpPr>
+        <p:spPr>
+          <a:xfrm>
+            <a:off x="6986019" y="3315027"/>
+            <a:ext cx="4216175" cy="1569660"/>
+          </a:xfrm>
+          <a:prstGeom prst="rect">
+            <a:avLst/>
+          </a:prstGeom>
+          <a:noFill/>
+        </p:spPr>
+        <p:txBody>
+          <a:bodyPr wrap="square" rtlCol="0">
+            <a:spAutoFit/>
+          </a:bodyPr>
+          <a:lstStyle/>
+          <a:p>
+            <a:r>
+              <a:rPr lang="en-US" sz="2400" b="1" dirty="0"/>
+              <a:t>Predictions:</a:t>
+            </a:r>
+          </a:p>
+          <a:p>
+            <a:pPr marL="285750" indent="-285750">
+              <a:buFont typeface="Arial" panose="020B0604020202020204" pitchFamily="34" charset="0"/>
+              <a:buChar char="•"/>
+            </a:pPr>
+            <a:r>
+              <a:rPr lang="en-US" sz="2400" dirty="0"/>
+              <a:t>	2020: </a:t>
+            </a:r>
+            <a:r>
+              <a:rPr lang="en-US" sz="2400" b="1" dirty="0"/>
+              <a:t>7.31 </a:t>
+            </a:r>
+            <a:r>
+              <a:rPr lang="en-US" sz="2400" b="1" dirty="0" err="1"/>
+              <a:t>DpM</a:t>
+            </a:r>
+            <a:endParaRPr lang="en-US" sz="2400" b="1" dirty="0"/>
+          </a:p>
+          <a:p>
+            <a:pPr marL="285750" indent="-285750">
+              <a:buFont typeface="Arial" panose="020B0604020202020204" pitchFamily="34" charset="0"/>
+              <a:buChar char="•"/>
+            </a:pPr>
+            <a:r>
+              <a:rPr lang="en-US" sz="2400" dirty="0"/>
+              <a:t>	2021: </a:t>
+            </a:r>
+            <a:r>
+              <a:rPr lang="en-US" sz="2400" b="1" dirty="0"/>
+              <a:t>7.16 </a:t>
+            </a:r>
+            <a:r>
+              <a:rPr lang="en-US" sz="2400" b="1" dirty="0" err="1"/>
+              <a:t>DpM</a:t>
+            </a:r>
+            <a:endParaRPr lang="en-US" sz="2400" b="1" dirty="0"/>
+          </a:p>
+          <a:p>
+            <a:pPr marL="285750" indent="-285750">
+              <a:buFont typeface="Arial" panose="020B0604020202020204" pitchFamily="34" charset="0"/>
+              <a:buChar char="•"/>
+            </a:pPr>
+            <a:r>
+              <a:rPr lang="en-US" sz="2400" dirty="0"/>
+              <a:t>	2022: </a:t>
+            </a:r>
+            <a:r>
+              <a:rPr lang="en-US" sz="2400" b="1" dirty="0"/>
+              <a:t>7.03 </a:t>
+            </a:r>
+            <a:r>
+              <a:rPr lang="en-US" sz="2400" b="1" dirty="0" err="1"/>
+              <a:t>DpM</a:t>
+            </a:r>
+            <a:endParaRPr lang="en-US" sz="2400" b="1" dirty="0"/>
+          </a:p>
+        </p:txBody>
+      </p:sp>
+      <p:sp>
+        <p:nvSpPr>
+          <p:cNvPr id="14" name="Slide Number Placeholder 5">
+            <a:extLst>
+              <a:ext uri="{FF2B5EF4-FFF2-40B4-BE49-F238E27FC236}">
+                <a16:creationId xmlns:a16="http://schemas.microsoft.com/office/drawing/2014/main" id="{FAB55F82-E5F1-49ED-94C5-A4251F00B265}"/>
               </a:ext>
             </a:extLst>
           </p:cNvPr>
@@ -8468,7 +10019,7 @@
     </p:spTree>
     <p:extLst>
       <p:ext uri="{BB962C8B-B14F-4D97-AF65-F5344CB8AC3E}">
-        <p14:creationId xmlns:p14="http://schemas.microsoft.com/office/powerpoint/2010/main" val="3940354841"/>
+        <p14:creationId xmlns:p14="http://schemas.microsoft.com/office/powerpoint/2010/main" val="1730832180"/>
       </p:ext>
     </p:extLst>
   </p:cSld>
@@ -8500,7 +10051,7 @@
           <p:cNvPr id="2" name="Title 1">
             <a:extLst>
               <a:ext uri="{FF2B5EF4-FFF2-40B4-BE49-F238E27FC236}">
-                <a16:creationId xmlns:a16="http://schemas.microsoft.com/office/drawing/2014/main" id="{E56EE10E-0954-D840-B8A1-84FBC0A393DA}"/>
+                <a16:creationId xmlns:a16="http://schemas.microsoft.com/office/drawing/2014/main" id="{1E339B49-36C2-4752-8E8D-17E08E30417B}"/>
               </a:ext>
             </a:extLst>
           </p:cNvPr>
@@ -8513,67 +10064,519 @@
         </p:nvSpPr>
         <p:spPr/>
         <p:txBody>
-          <a:bodyPr/>
+          <a:bodyPr vert="horz" lIns="91440" tIns="45720" rIns="91440" bIns="45720" rtlCol="0" anchor="t">
+            <a:noAutofit/>
+          </a:bodyPr>
           <a:lstStyle/>
           <a:p>
-            <a:endParaRPr lang="en-MX" dirty="0"/>
-          </a:p>
-        </p:txBody>
-      </p:sp>
-      <p:sp>
-        <p:nvSpPr>
-          <p:cNvPr id="3" name="Content Placeholder 2">
+            <a:r>
+              <a:rPr lang="en-MX" sz="3200" b="1" dirty="0"/>
+              <a:t>5. Compare Death levels</a:t>
+            </a:r>
+            <a:endParaRPr lang="en-US" sz="3200" b="1" dirty="0"/>
+          </a:p>
+        </p:txBody>
+      </p:sp>
+      <p:graphicFrame>
+        <p:nvGraphicFramePr>
+          <p:cNvPr id="6" name="Table 6">
             <a:extLst>
               <a:ext uri="{FF2B5EF4-FFF2-40B4-BE49-F238E27FC236}">
-                <a16:creationId xmlns:a16="http://schemas.microsoft.com/office/drawing/2014/main" id="{B009BCDC-DA24-3746-83CA-86DBAF9D7B42}"/>
+                <a16:creationId xmlns:a16="http://schemas.microsoft.com/office/drawing/2014/main" id="{78B77EF4-A618-481B-8935-216D0C9CF1F3}"/>
               </a:ext>
             </a:extLst>
           </p:cNvPr>
-          <p:cNvSpPr>
-            <a:spLocks noGrp="1"/>
-          </p:cNvSpPr>
-          <p:nvPr>
-            <p:ph sz="half" idx="1"/>
-          </p:nvPr>
-        </p:nvSpPr>
-        <p:spPr/>
-        <p:txBody>
-          <a:bodyPr/>
-          <a:lstStyle/>
-          <a:p>
-            <a:endParaRPr lang="en-MX"/>
-          </a:p>
-        </p:txBody>
-      </p:sp>
-      <p:sp>
-        <p:nvSpPr>
-          <p:cNvPr id="4" name="Content Placeholder 3">
+          <p:cNvGraphicFramePr>
+            <a:graphicFrameLocks noGrp="1"/>
+          </p:cNvGraphicFramePr>
+          <p:nvPr>
+            <p:extLst>
+              <p:ext uri="{D42A27DB-BD31-4B8C-83A1-F6EECF244321}">
+                <p14:modId xmlns:p14="http://schemas.microsoft.com/office/powerpoint/2010/main" val="3257774341"/>
+              </p:ext>
+            </p:extLst>
+          </p:nvPr>
+        </p:nvGraphicFramePr>
+        <p:xfrm>
+          <a:off x="646111" y="1461346"/>
+          <a:ext cx="7847893" cy="1483360"/>
+        </p:xfrm>
+        <a:graphic>
+          <a:graphicData uri="http://schemas.openxmlformats.org/drawingml/2006/table">
+            <a:tbl>
+              <a:tblPr firstRow="1" bandRow="1">
+                <a:tableStyleId>{5C22544A-7EE6-4342-B048-85BDC9FD1C3A}</a:tableStyleId>
+              </a:tblPr>
+              <a:tblGrid>
+                <a:gridCol w="801540">
+                  <a:extLst>
+                    <a:ext uri="{9D8B030D-6E8A-4147-A177-3AD203B41FA5}">
+                      <a16:colId xmlns:a16="http://schemas.microsoft.com/office/drawing/2014/main" val="604498914"/>
+                    </a:ext>
+                  </a:extLst>
+                </a:gridCol>
+                <a:gridCol w="1787051">
+                  <a:extLst>
+                    <a:ext uri="{9D8B030D-6E8A-4147-A177-3AD203B41FA5}">
+                      <a16:colId xmlns:a16="http://schemas.microsoft.com/office/drawing/2014/main" val="3253477926"/>
+                    </a:ext>
+                  </a:extLst>
+                </a:gridCol>
+                <a:gridCol w="1457297">
+                  <a:extLst>
+                    <a:ext uri="{9D8B030D-6E8A-4147-A177-3AD203B41FA5}">
+                      <a16:colId xmlns:a16="http://schemas.microsoft.com/office/drawing/2014/main" val="525703314"/>
+                    </a:ext>
+                  </a:extLst>
+                </a:gridCol>
+                <a:gridCol w="1127543">
+                  <a:extLst>
+                    <a:ext uri="{9D8B030D-6E8A-4147-A177-3AD203B41FA5}">
+                      <a16:colId xmlns:a16="http://schemas.microsoft.com/office/drawing/2014/main" val="3828147994"/>
+                    </a:ext>
+                  </a:extLst>
+                </a:gridCol>
+                <a:gridCol w="2674462">
+                  <a:extLst>
+                    <a:ext uri="{9D8B030D-6E8A-4147-A177-3AD203B41FA5}">
+                      <a16:colId xmlns:a16="http://schemas.microsoft.com/office/drawing/2014/main" val="4210416596"/>
+                    </a:ext>
+                  </a:extLst>
+                </a:gridCol>
+              </a:tblGrid>
+              <a:tr h="370840">
+                <a:tc>
+                  <a:txBody>
+                    <a:bodyPr/>
+                    <a:lstStyle/>
+                    <a:p>
+                      <a:r>
+                        <a:rPr lang="en-US" dirty="0"/>
+                        <a:t>Year</a:t>
+                      </a:r>
+                    </a:p>
+                  </a:txBody>
+                  <a:tcPr/>
+                </a:tc>
+                <a:tc>
+                  <a:txBody>
+                    <a:bodyPr/>
+                    <a:lstStyle/>
+                    <a:p>
+                      <a:r>
+                        <a:rPr lang="en-US" dirty="0" err="1"/>
+                        <a:t>DpM_Historic</a:t>
+                      </a:r>
+                      <a:endParaRPr lang="en-US" dirty="0"/>
+                    </a:p>
+                  </a:txBody>
+                  <a:tcPr/>
+                </a:tc>
+                <a:tc>
+                  <a:txBody>
+                    <a:bodyPr/>
+                    <a:lstStyle/>
+                    <a:p>
+                      <a:r>
+                        <a:rPr lang="en-US" dirty="0" err="1"/>
+                        <a:t>DpM_GDP</a:t>
+                      </a:r>
+                      <a:endParaRPr lang="en-US" dirty="0"/>
+                    </a:p>
+                  </a:txBody>
+                  <a:tcPr/>
+                </a:tc>
+                <a:tc>
+                  <a:txBody>
+                    <a:bodyPr/>
+                    <a:lstStyle/>
+                    <a:p>
+                      <a:r>
+                        <a:rPr lang="en-US" dirty="0"/>
+                        <a:t>Delta</a:t>
+                      </a:r>
+                    </a:p>
+                  </a:txBody>
+                  <a:tcPr/>
+                </a:tc>
+                <a:tc>
+                  <a:txBody>
+                    <a:bodyPr/>
+                    <a:lstStyle/>
+                    <a:p>
+                      <a:r>
+                        <a:rPr lang="en-US" dirty="0"/>
+                        <a:t>Deaths due Crisis</a:t>
+                      </a:r>
+                    </a:p>
+                  </a:txBody>
+                  <a:tcPr/>
+                </a:tc>
+                <a:extLst>
+                  <a:ext uri="{0D108BD9-81ED-4DB2-BD59-A6C34878D82A}">
+                    <a16:rowId xmlns:a16="http://schemas.microsoft.com/office/drawing/2014/main" val="713601590"/>
+                  </a:ext>
+                </a:extLst>
+              </a:tr>
+              <a:tr h="370840">
+                <a:tc>
+                  <a:txBody>
+                    <a:bodyPr/>
+                    <a:lstStyle/>
+                    <a:p>
+                      <a:r>
+                        <a:rPr lang="en-US" dirty="0"/>
+                        <a:t>2020</a:t>
+                      </a:r>
+                    </a:p>
+                  </a:txBody>
+                  <a:tcPr/>
+                </a:tc>
+                <a:tc>
+                  <a:txBody>
+                    <a:bodyPr/>
+                    <a:lstStyle/>
+                    <a:p>
+                      <a:r>
+                        <a:rPr lang="en-US" dirty="0"/>
+                        <a:t>7.307578</a:t>
+                      </a:r>
+                    </a:p>
+                  </a:txBody>
+                  <a:tcPr/>
+                </a:tc>
+                <a:tc>
+                  <a:txBody>
+                    <a:bodyPr/>
+                    <a:lstStyle/>
+                    <a:p>
+                      <a:r>
+                        <a:rPr lang="en-US" dirty="0"/>
+                        <a:t>7.152307</a:t>
+                      </a:r>
+                    </a:p>
+                  </a:txBody>
+                  <a:tcPr/>
+                </a:tc>
+                <a:tc>
+                  <a:txBody>
+                    <a:bodyPr/>
+                    <a:lstStyle/>
+                    <a:p>
+                      <a:r>
+                        <a:rPr lang="en-US" dirty="0"/>
+                        <a:t>.155271</a:t>
+                      </a:r>
+                    </a:p>
+                  </a:txBody>
+                  <a:tcPr/>
+                </a:tc>
+                <a:tc>
+                  <a:txBody>
+                    <a:bodyPr/>
+                    <a:lstStyle/>
+                    <a:p>
+                      <a:r>
+                        <a:rPr lang="en-US" dirty="0"/>
+                        <a:t>1,195,586</a:t>
+                      </a:r>
+                    </a:p>
+                  </a:txBody>
+                  <a:tcPr/>
+                </a:tc>
+                <a:extLst>
+                  <a:ext uri="{0D108BD9-81ED-4DB2-BD59-A6C34878D82A}">
+                    <a16:rowId xmlns:a16="http://schemas.microsoft.com/office/drawing/2014/main" val="136988587"/>
+                  </a:ext>
+                </a:extLst>
+              </a:tr>
+              <a:tr h="370840">
+                <a:tc>
+                  <a:txBody>
+                    <a:bodyPr/>
+                    <a:lstStyle/>
+                    <a:p>
+                      <a:r>
+                        <a:rPr lang="en-US" dirty="0"/>
+                        <a:t>2021</a:t>
+                      </a:r>
+                    </a:p>
+                  </a:txBody>
+                  <a:tcPr/>
+                </a:tc>
+                <a:tc>
+                  <a:txBody>
+                    <a:bodyPr/>
+                    <a:lstStyle/>
+                    <a:p>
+                      <a:r>
+                        <a:rPr lang="en-US" dirty="0"/>
+                        <a:t>7.159862</a:t>
+                      </a:r>
+                    </a:p>
+                  </a:txBody>
+                  <a:tcPr/>
+                </a:tc>
+                <a:tc>
+                  <a:txBody>
+                    <a:bodyPr/>
+                    <a:lstStyle/>
+                    <a:p>
+                      <a:r>
+                        <a:rPr lang="en-US" dirty="0"/>
+                        <a:t>7.079542</a:t>
+                      </a:r>
+                    </a:p>
+                  </a:txBody>
+                  <a:tcPr/>
+                </a:tc>
+                <a:tc>
+                  <a:txBody>
+                    <a:bodyPr/>
+                    <a:lstStyle/>
+                    <a:p>
+                      <a:r>
+                        <a:rPr lang="en-US" dirty="0"/>
+                        <a:t>.080320</a:t>
+                      </a:r>
+                    </a:p>
+                  </a:txBody>
+                  <a:tcPr/>
+                </a:tc>
+                <a:tc>
+                  <a:txBody>
+                    <a:bodyPr/>
+                    <a:lstStyle/>
+                    <a:p>
+                      <a:r>
+                        <a:rPr lang="en-US" dirty="0"/>
+                        <a:t>618,465</a:t>
+                      </a:r>
+                    </a:p>
+                  </a:txBody>
+                  <a:tcPr/>
+                </a:tc>
+                <a:extLst>
+                  <a:ext uri="{0D108BD9-81ED-4DB2-BD59-A6C34878D82A}">
+                    <a16:rowId xmlns:a16="http://schemas.microsoft.com/office/drawing/2014/main" val="3168083881"/>
+                  </a:ext>
+                </a:extLst>
+              </a:tr>
+              <a:tr h="370840">
+                <a:tc>
+                  <a:txBody>
+                    <a:bodyPr/>
+                    <a:lstStyle/>
+                    <a:p>
+                      <a:r>
+                        <a:rPr lang="en-US" dirty="0"/>
+                        <a:t>2022</a:t>
+                      </a:r>
+                    </a:p>
+                  </a:txBody>
+                  <a:tcPr/>
+                </a:tc>
+                <a:tc>
+                  <a:txBody>
+                    <a:bodyPr/>
+                    <a:lstStyle/>
+                    <a:p>
+                      <a:r>
+                        <a:rPr lang="en-US" dirty="0"/>
+                        <a:t>7.031353</a:t>
+                      </a:r>
+                    </a:p>
+                  </a:txBody>
+                  <a:tcPr/>
+                </a:tc>
+                <a:tc>
+                  <a:txBody>
+                    <a:bodyPr/>
+                    <a:lstStyle/>
+                    <a:p>
+                      <a:r>
+                        <a:rPr lang="en-US" dirty="0"/>
+                        <a:t>7.006777</a:t>
+                      </a:r>
+                    </a:p>
+                  </a:txBody>
+                  <a:tcPr/>
+                </a:tc>
+                <a:tc>
+                  <a:txBody>
+                    <a:bodyPr/>
+                    <a:lstStyle/>
+                    <a:p>
+                      <a:r>
+                        <a:rPr lang="en-US" dirty="0"/>
+                        <a:t>.024575</a:t>
+                      </a:r>
+                    </a:p>
+                  </a:txBody>
+                  <a:tcPr/>
+                </a:tc>
+                <a:tc>
+                  <a:txBody>
+                    <a:bodyPr/>
+                    <a:lstStyle/>
+                    <a:p>
+                      <a:r>
+                        <a:rPr lang="en-US" dirty="0"/>
+                        <a:t>189,229</a:t>
+                      </a:r>
+                    </a:p>
+                  </a:txBody>
+                  <a:tcPr/>
+                </a:tc>
+                <a:extLst>
+                  <a:ext uri="{0D108BD9-81ED-4DB2-BD59-A6C34878D82A}">
+                    <a16:rowId xmlns:a16="http://schemas.microsoft.com/office/drawing/2014/main" val="2983272081"/>
+                  </a:ext>
+                </a:extLst>
+              </a:tr>
+            </a:tbl>
+          </a:graphicData>
+        </a:graphic>
+      </p:graphicFrame>
+      <p:sp>
+        <p:nvSpPr>
+          <p:cNvPr id="8" name="TextBox 7">
             <a:extLst>
               <a:ext uri="{FF2B5EF4-FFF2-40B4-BE49-F238E27FC236}">
-                <a16:creationId xmlns:a16="http://schemas.microsoft.com/office/drawing/2014/main" id="{9162DA83-B83C-B146-A968-A2AA2610A3F4}"/>
+                <a16:creationId xmlns:a16="http://schemas.microsoft.com/office/drawing/2014/main" id="{99C6D764-25FA-459E-8344-BC2517E34A27}"/>
               </a:ext>
             </a:extLst>
           </p:cNvPr>
-          <p:cNvSpPr>
-            <a:spLocks noGrp="1"/>
-          </p:cNvSpPr>
-          <p:nvPr>
-            <p:ph sz="half" idx="2"/>
-          </p:nvPr>
-        </p:nvSpPr>
-        <p:spPr/>
-        <p:txBody>
-          <a:bodyPr/>
+          <p:cNvSpPr txBox="1"/>
+          <p:nvPr/>
+        </p:nvSpPr>
+        <p:spPr>
+          <a:xfrm>
+            <a:off x="1516434" y="3569424"/>
+            <a:ext cx="8534400" cy="523220"/>
+          </a:xfrm>
+          <a:prstGeom prst="rect">
+            <a:avLst/>
+          </a:prstGeom>
+          <a:noFill/>
+        </p:spPr>
+        <p:txBody>
+          <a:bodyPr wrap="square" rtlCol="0">
+            <a:spAutoFit/>
+          </a:bodyPr>
           <a:lstStyle/>
           <a:p>
-            <a:endParaRPr lang="en-MX"/>
-          </a:p>
-        </p:txBody>
-      </p:sp>
+            <a:r>
+              <a:rPr lang="en-US" sz="2800" b="1" dirty="0"/>
+              <a:t>Total Deaths by Economical Crisis : 2,003,280</a:t>
+            </a:r>
+          </a:p>
+        </p:txBody>
+      </p:sp>
+      <p:sp>
+        <p:nvSpPr>
+          <p:cNvPr id="9" name="Slide Number Placeholder 5">
+            <a:extLst>
+              <a:ext uri="{FF2B5EF4-FFF2-40B4-BE49-F238E27FC236}">
+                <a16:creationId xmlns:a16="http://schemas.microsoft.com/office/drawing/2014/main" id="{6CFC5074-9AED-4797-A776-20051EBA71DE}"/>
+              </a:ext>
+            </a:extLst>
+          </p:cNvPr>
+          <p:cNvSpPr>
+            <a:spLocks noGrp="1"/>
+          </p:cNvSpPr>
+          <p:nvPr>
+            <p:ph type="sldNum" sz="quarter" idx="4"/>
+          </p:nvPr>
+        </p:nvSpPr>
+        <p:spPr bwMode="gray">
+          <a:xfrm>
+            <a:off x="10387709" y="96438"/>
+            <a:ext cx="838199" cy="767687"/>
+          </a:xfrm>
+          <a:prstGeom prst="rect">
+            <a:avLst/>
+          </a:prstGeom>
+        </p:spPr>
+        <p:txBody>
+          <a:bodyPr vert="horz" lIns="91440" tIns="45720" rIns="91440" bIns="45720" rtlCol="0" anchor="b"/>
+          <a:lstStyle>
+            <a:lvl1pPr algn="ctr">
+              <a:defRPr sz="3600" b="0" i="1">
+                <a:solidFill>
+                  <a:schemeClr val="tx1">
+                    <a:tint val="75000"/>
+                  </a:schemeClr>
+                </a:solidFill>
+              </a:defRPr>
+            </a:lvl1pPr>
+          </a:lstStyle>
+          <a:p>
+            <a:r>
+              <a:rPr lang="en-US" i="0" dirty="0"/>
+              <a:t>𝛴</a:t>
+            </a:r>
+            <a:r>
+              <a:rPr lang="en-US" dirty="0"/>
+              <a:t>:</a:t>
+            </a:r>
+          </a:p>
+        </p:txBody>
+      </p:sp>
+      <p:pic>
+        <p:nvPicPr>
+          <p:cNvPr id="2050" name="Picture 2" descr="Bruising times for the global economy | Financial Times">
+            <a:extLst>
+              <a:ext uri="{FF2B5EF4-FFF2-40B4-BE49-F238E27FC236}">
+                <a16:creationId xmlns:a16="http://schemas.microsoft.com/office/drawing/2014/main" id="{75A92508-5ECB-4D21-8A18-D35F6EF72AEC}"/>
+              </a:ext>
+            </a:extLst>
+          </p:cNvPr>
+          <p:cNvPicPr>
+            <a:picLocks noChangeAspect="1" noChangeArrowheads="1"/>
+          </p:cNvPicPr>
+          <p:nvPr/>
+        </p:nvPicPr>
+        <p:blipFill rotWithShape="1">
+          <a:blip r:embed="rId2">
+            <a:extLst>
+              <a:ext uri="{28A0092B-C50C-407E-A947-70E740481C1C}">
+                <a14:useLocalDpi xmlns:a14="http://schemas.microsoft.com/office/drawing/2010/main" val="0"/>
+              </a:ext>
+            </a:extLst>
+          </a:blip>
+          <a:srcRect l="37561" b="29334"/>
+          <a:stretch/>
+        </p:blipFill>
+        <p:spPr bwMode="auto">
+          <a:xfrm>
+            <a:off x="-90311" y="4193327"/>
+            <a:ext cx="4343878" cy="2765356"/>
+          </a:xfrm>
+          <a:prstGeom prst="rect">
+            <a:avLst/>
+          </a:prstGeom>
+          <a:ln>
+            <a:noFill/>
+          </a:ln>
+          <a:effectLst>
+            <a:softEdge rad="112500"/>
+          </a:effectLst>
+          <a:extLst>
+            <a:ext uri="{909E8E84-426E-40DD-AFC4-6F175D3DCCD1}">
+              <a14:hiddenFill xmlns:a14="http://schemas.microsoft.com/office/drawing/2010/main">
+                <a:solidFill>
+                  <a:srgbClr val="FFFFFF"/>
+                </a:solidFill>
+              </a14:hiddenFill>
+            </a:ext>
+          </a:extLst>
+        </p:spPr>
+      </p:pic>
     </p:spTree>
     <p:extLst>
       <p:ext uri="{BB962C8B-B14F-4D97-AF65-F5344CB8AC3E}">
-        <p14:creationId xmlns:p14="http://schemas.microsoft.com/office/powerpoint/2010/main" val="562365450"/>
+        <p14:creationId xmlns:p14="http://schemas.microsoft.com/office/powerpoint/2010/main" val="866671569"/>
       </p:ext>
     </p:extLst>
   </p:cSld>
